--- a/books/deep-learning-design-patterns/Workshops/Junior/Deep Learning Design Patterns - Workshop - Chapter 1.pptx
+++ b/books/deep-learning-design-patterns/Workshops/Junior/Deep Learning Design Patterns - Workshop - Chapter 1.pptx
@@ -8884,29 +8884,29 @@
               <a:buNone/>
             </a:pPr>
             <a:r>
-              <a:rPr lang="en" sz="4800">
+              <a:rPr lang="en" sz="3600">
                 <a:solidFill>
                   <a:srgbClr val="3D85C6"/>
                 </a:solidFill>
               </a:rPr>
-              <a:t>Deep Learning by Design</a:t>
+              <a:t>Deep Learning Design Patterns</a:t>
             </a:r>
             <a:br>
-              <a:rPr lang="en" sz="4800">
+              <a:rPr lang="en" sz="3600">
                 <a:solidFill>
                   <a:srgbClr val="3D85C6"/>
                 </a:solidFill>
               </a:rPr>
             </a:br>
             <a:r>
-              <a:rPr lang="en" sz="4800">
+              <a:rPr lang="en" sz="3600">
                 <a:solidFill>
                   <a:srgbClr val="3D85C6"/>
                 </a:solidFill>
               </a:rPr>
-              <a:t>Using Tensorflow 2.0</a:t>
-            </a:r>
-            <a:endParaRPr sz="4800">
+              <a:t>with Tensorflow 2.0</a:t>
+            </a:r>
+            <a:endParaRPr sz="3600">
               <a:solidFill>
                 <a:srgbClr val="3D85C6"/>
               </a:solidFill>
@@ -11221,7 +11221,7 @@
             <a:tbl>
               <a:tblPr>
                 <a:noFill/>
-                <a:tableStyleId>{955CDB02-A35B-49A1-AE16-0C59634E1682}</a:tableStyleId>
+                <a:tableStyleId>{55A95973-22DE-46CC-A186-26C7C0E670E9}</a:tableStyleId>
               </a:tblPr>
               <a:tblGrid>
                 <a:gridCol w="8288550"/>
@@ -13442,7 +13442,7 @@
             <a:tbl>
               <a:tblPr>
                 <a:noFill/>
-                <a:tableStyleId>{955CDB02-A35B-49A1-AE16-0C59634E1682}</a:tableStyleId>
+                <a:tableStyleId>{55A95973-22DE-46CC-A186-26C7C0E670E9}</a:tableStyleId>
               </a:tblPr>
               <a:tblGrid>
                 <a:gridCol w="5168525"/>
@@ -15062,7 +15062,7 @@
             <a:tbl>
               <a:tblPr>
                 <a:noFill/>
-                <a:tableStyleId>{955CDB02-A35B-49A1-AE16-0C59634E1682}</a:tableStyleId>
+                <a:tableStyleId>{55A95973-22DE-46CC-A186-26C7C0E670E9}</a:tableStyleId>
               </a:tblPr>
               <a:tblGrid>
                 <a:gridCol w="5168525"/>
@@ -18545,7 +18545,7 @@
             <a:tbl>
               <a:tblPr>
                 <a:noFill/>
-                <a:tableStyleId>{955CDB02-A35B-49A1-AE16-0C59634E1682}</a:tableStyleId>
+                <a:tableStyleId>{55A95973-22DE-46CC-A186-26C7C0E670E9}</a:tableStyleId>
               </a:tblPr>
               <a:tblGrid>
                 <a:gridCol w="5168525"/>
@@ -21225,7 +21225,7 @@
             <a:tbl>
               <a:tblPr>
                 <a:noFill/>
-                <a:tableStyleId>{955CDB02-A35B-49A1-AE16-0C59634E1682}</a:tableStyleId>
+                <a:tableStyleId>{55A95973-22DE-46CC-A186-26C7C0E670E9}</a:tableStyleId>
               </a:tblPr>
               <a:tblGrid>
                 <a:gridCol w="3539375"/>
@@ -22470,7 +22470,7 @@
             <a:tbl>
               <a:tblPr>
                 <a:noFill/>
-                <a:tableStyleId>{955CDB02-A35B-49A1-AE16-0C59634E1682}</a:tableStyleId>
+                <a:tableStyleId>{55A95973-22DE-46CC-A186-26C7C0E670E9}</a:tableStyleId>
               </a:tblPr>
               <a:tblGrid>
                 <a:gridCol w="4628350"/>
@@ -23813,7 +23813,7 @@
             <a:tbl>
               <a:tblPr>
                 <a:noFill/>
-                <a:tableStyleId>{955CDB02-A35B-49A1-AE16-0C59634E1682}</a:tableStyleId>
+                <a:tableStyleId>{55A95973-22DE-46CC-A186-26C7C0E670E9}</a:tableStyleId>
               </a:tblPr>
               <a:tblGrid>
                 <a:gridCol w="3617125"/>
@@ -25085,7 +25085,7 @@
             <a:tbl>
               <a:tblPr>
                 <a:noFill/>
-                <a:tableStyleId>{955CDB02-A35B-49A1-AE16-0C59634E1682}</a:tableStyleId>
+                <a:tableStyleId>{55A95973-22DE-46CC-A186-26C7C0E670E9}</a:tableStyleId>
               </a:tblPr>
               <a:tblGrid>
                 <a:gridCol w="4786950"/>
@@ -27428,7 +27428,7 @@
             <a:tbl>
               <a:tblPr>
                 <a:noFill/>
-                <a:tableStyleId>{955CDB02-A35B-49A1-AE16-0C59634E1682}</a:tableStyleId>
+                <a:tableStyleId>{55A95973-22DE-46CC-A186-26C7C0E670E9}</a:tableStyleId>
               </a:tblPr>
               <a:tblGrid>
                 <a:gridCol w="3885050"/>
@@ -28704,7 +28704,7 @@
             <a:tbl>
               <a:tblPr>
                 <a:noFill/>
-                <a:tableStyleId>{955CDB02-A35B-49A1-AE16-0C59634E1682}</a:tableStyleId>
+                <a:tableStyleId>{55A95973-22DE-46CC-A186-26C7C0E670E9}</a:tableStyleId>
               </a:tblPr>
               <a:tblGrid>
                 <a:gridCol w="4605450"/>
@@ -31101,7 +31101,7 @@
             <a:tbl>
               <a:tblPr>
                 <a:noFill/>
-                <a:tableStyleId>{955CDB02-A35B-49A1-AE16-0C59634E1682}</a:tableStyleId>
+                <a:tableStyleId>{55A95973-22DE-46CC-A186-26C7C0E670E9}</a:tableStyleId>
               </a:tblPr>
               <a:tblGrid>
                 <a:gridCol w="6771725"/>
@@ -33218,7 +33218,7 @@
             <a:tbl>
               <a:tblPr>
                 <a:noFill/>
-                <a:tableStyleId>{955CDB02-A35B-49A1-AE16-0C59634E1682}</a:tableStyleId>
+                <a:tableStyleId>{55A95973-22DE-46CC-A186-26C7C0E670E9}</a:tableStyleId>
               </a:tblPr>
               <a:tblGrid>
                 <a:gridCol w="6070375"/>
@@ -35121,7 +35121,7 @@
             <a:tbl>
               <a:tblPr>
                 <a:noFill/>
-                <a:tableStyleId>{955CDB02-A35B-49A1-AE16-0C59634E1682}</a:tableStyleId>
+                <a:tableStyleId>{55A95973-22DE-46CC-A186-26C7C0E670E9}</a:tableStyleId>
               </a:tblPr>
               <a:tblGrid>
                 <a:gridCol w="4322525"/>
@@ -36477,7 +36477,7 @@
                 </a:uFill>
                 <a:hlinkClick r:id="rId4"/>
               </a:rPr>
-              <a:t>Deep Learning by Design - Workshop - Chapter 4.ipynb</a:t>
+              <a:t>Deep Learning Design Patterns - Workshop - Chapter 1.ipynb</a:t>
             </a:r>
             <a:endParaRPr b="1" sz="1200">
               <a:solidFill>
@@ -38638,7 +38638,7 @@
             <a:tbl>
               <a:tblPr>
                 <a:noFill/>
-                <a:tableStyleId>{955CDB02-A35B-49A1-AE16-0C59634E1682}</a:tableStyleId>
+                <a:tableStyleId>{55A95973-22DE-46CC-A186-26C7C0E670E9}</a:tableStyleId>
               </a:tblPr>
               <a:tblGrid>
                 <a:gridCol w="4653400"/>
@@ -39464,7 +39464,7 @@
             <a:tbl>
               <a:tblPr>
                 <a:noFill/>
-                <a:tableStyleId>{955CDB02-A35B-49A1-AE16-0C59634E1682}</a:tableStyleId>
+                <a:tableStyleId>{55A95973-22DE-46CC-A186-26C7C0E670E9}</a:tableStyleId>
               </a:tblPr>
               <a:tblGrid>
                 <a:gridCol w="3313775"/>
@@ -41060,7 +41060,7 @@
             <a:tbl>
               <a:tblPr>
                 <a:noFill/>
-                <a:tableStyleId>{955CDB02-A35B-49A1-AE16-0C59634E1682}</a:tableStyleId>
+                <a:tableStyleId>{55A95973-22DE-46CC-A186-26C7C0E670E9}</a:tableStyleId>
               </a:tblPr>
               <a:tblGrid>
                 <a:gridCol w="5271350"/>
@@ -42124,6 +42124,285 @@
 </file>
 
 <file path=ppt/theme/theme1.xml><?xml version="1.0" encoding="utf-8"?>
+<a:theme xmlns:a="http://schemas.openxmlformats.org/drawingml/2006/main" xmlns:r="http://schemas.openxmlformats.org/officeDocument/2006/relationships">
+  <a:themeElements>
+    <a:clrScheme name="Default">
+      <a:dk1>
+        <a:srgbClr val="000000"/>
+      </a:dk1>
+      <a:lt1>
+        <a:srgbClr val="FFFFFF"/>
+      </a:lt1>
+      <a:dk2>
+        <a:srgbClr val="158158"/>
+      </a:dk2>
+      <a:lt2>
+        <a:srgbClr val="F3F3F3"/>
+      </a:lt2>
+      <a:accent1>
+        <a:srgbClr val="058DC7"/>
+      </a:accent1>
+      <a:accent2>
+        <a:srgbClr val="50B432"/>
+      </a:accent2>
+      <a:accent3>
+        <a:srgbClr val="ED561B"/>
+      </a:accent3>
+      <a:accent4>
+        <a:srgbClr val="EDEF00"/>
+      </a:accent4>
+      <a:accent5>
+        <a:srgbClr val="24CBE5"/>
+      </a:accent5>
+      <a:accent6>
+        <a:srgbClr val="64E572"/>
+      </a:accent6>
+      <a:hlink>
+        <a:srgbClr val="2200CC"/>
+      </a:hlink>
+      <a:folHlink>
+        <a:srgbClr val="551A8B"/>
+      </a:folHlink>
+    </a:clrScheme>
+    <a:fontScheme name="Office">
+      <a:majorFont>
+        <a:latin typeface="Arial"/>
+        <a:ea typeface=""/>
+        <a:cs typeface=""/>
+        <a:font script="Jpan" typeface="ＭＳ Ｐゴシック"/>
+        <a:font script="Hang" typeface="맑은 고딕"/>
+        <a:font script="Hans" typeface="宋体"/>
+        <a:font script="Hant" typeface="新細明體"/>
+        <a:font script="Arab" typeface="Times New Roman"/>
+        <a:font script="Hebr" typeface="Times New Roman"/>
+        <a:font script="Thai" typeface="Angsana New"/>
+        <a:font script="Ethi" typeface="Nyala"/>
+        <a:font script="Beng" typeface="Vrinda"/>
+        <a:font script="Gujr" typeface="Shruti"/>
+        <a:font script="Khmr" typeface="MoolBoran"/>
+        <a:font script="Knda" typeface="Tunga"/>
+        <a:font script="Guru" typeface="Raavi"/>
+        <a:font script="Cans" typeface="Euphemia"/>
+        <a:font script="Cher" typeface="Plantagenet Cherokee"/>
+        <a:font script="Yiii" typeface="Microsoft Yi Baiti"/>
+        <a:font script="Tibt" typeface="Microsoft Himalaya"/>
+        <a:font script="Thaa" typeface="MV Boli"/>
+        <a:font script="Deva" typeface="Mangal"/>
+        <a:font script="Telu" typeface="Gautami"/>
+        <a:font script="Taml" typeface="Latha"/>
+        <a:font script="Syrc" typeface="Estrangelo Edessa"/>
+        <a:font script="Orya" typeface="Kalinga"/>
+        <a:font script="Mlym" typeface="Kartika"/>
+        <a:font script="Laoo" typeface="DokChampa"/>
+        <a:font script="Sinh" typeface="Iskoola Pota"/>
+        <a:font script="Mong" typeface="Mongolian Baiti"/>
+        <a:font script="Viet" typeface="Times New Roman"/>
+        <a:font script="Uigh" typeface="Microsoft Uighur"/>
+        <a:font script="Geor" typeface="Sylfaen"/>
+      </a:majorFont>
+      <a:minorFont>
+        <a:latin typeface="Arial"/>
+        <a:ea typeface=""/>
+        <a:cs typeface=""/>
+        <a:font script="Jpan" typeface="ＭＳ Ｐゴシック"/>
+        <a:font script="Hang" typeface="맑은 고딕"/>
+        <a:font script="Hans" typeface="宋体"/>
+        <a:font script="Hant" typeface="新細明體"/>
+        <a:font script="Arab" typeface="Arial"/>
+        <a:font script="Hebr" typeface="Arial"/>
+        <a:font script="Thai" typeface="Cordia New"/>
+        <a:font script="Ethi" typeface="Nyala"/>
+        <a:font script="Beng" typeface="Vrinda"/>
+        <a:font script="Gujr" typeface="Shruti"/>
+        <a:font script="Khmr" typeface="DaunPenh"/>
+        <a:font script="Knda" typeface="Tunga"/>
+        <a:font script="Guru" typeface="Raavi"/>
+        <a:font script="Cans" typeface="Euphemia"/>
+        <a:font script="Cher" typeface="Plantagenet Cherokee"/>
+        <a:font script="Yiii" typeface="Microsoft Yi Baiti"/>
+        <a:font script="Tibt" typeface="Microsoft Himalaya"/>
+        <a:font script="Thaa" typeface="MV Boli"/>
+        <a:font script="Deva" typeface="Mangal"/>
+        <a:font script="Telu" typeface="Gautami"/>
+        <a:font script="Taml" typeface="Latha"/>
+        <a:font script="Syrc" typeface="Estrangelo Edessa"/>
+        <a:font script="Orya" typeface="Kalinga"/>
+        <a:font script="Mlym" typeface="Kartika"/>
+        <a:font script="Laoo" typeface="DokChampa"/>
+        <a:font script="Sinh" typeface="Iskoola Pota"/>
+        <a:font script="Mong" typeface="Mongolian Baiti"/>
+        <a:font script="Viet" typeface="Arial"/>
+        <a:font script="Uigh" typeface="Microsoft Uighur"/>
+        <a:font script="Geor" typeface="Sylfaen"/>
+      </a:minorFont>
+    </a:fontScheme>
+    <a:fmtScheme name="Office">
+      <a:fillStyleLst>
+        <a:solidFill>
+          <a:schemeClr val="phClr"/>
+        </a:solidFill>
+        <a:gradFill rotWithShape="1">
+          <a:gsLst>
+            <a:gs pos="0">
+              <a:schemeClr val="phClr">
+                <a:tint val="50000"/>
+                <a:satMod val="300000"/>
+              </a:schemeClr>
+            </a:gs>
+            <a:gs pos="35000">
+              <a:schemeClr val="phClr">
+                <a:tint val="37000"/>
+                <a:satMod val="300000"/>
+              </a:schemeClr>
+            </a:gs>
+            <a:gs pos="100000">
+              <a:schemeClr val="phClr">
+                <a:tint val="15000"/>
+                <a:satMod val="350000"/>
+              </a:schemeClr>
+            </a:gs>
+          </a:gsLst>
+          <a:lin ang="16200000" scaled="1"/>
+        </a:gradFill>
+        <a:gradFill rotWithShape="1">
+          <a:gsLst>
+            <a:gs pos="0">
+              <a:schemeClr val="phClr">
+                <a:tint val="100000"/>
+                <a:shade val="100000"/>
+                <a:satMod val="130000"/>
+              </a:schemeClr>
+            </a:gs>
+            <a:gs pos="100000">
+              <a:schemeClr val="phClr">
+                <a:tint val="50000"/>
+                <a:shade val="100000"/>
+                <a:satMod val="350000"/>
+              </a:schemeClr>
+            </a:gs>
+          </a:gsLst>
+          <a:lin ang="16200000" scaled="0"/>
+        </a:gradFill>
+      </a:fillStyleLst>
+      <a:lnStyleLst>
+        <a:ln w="9525" cap="flat" cmpd="sng" algn="ctr">
+          <a:solidFill>
+            <a:schemeClr val="phClr">
+              <a:shade val="95000"/>
+              <a:satMod val="105000"/>
+            </a:schemeClr>
+          </a:solidFill>
+          <a:prstDash val="solid"/>
+        </a:ln>
+        <a:ln w="25400" cap="flat" cmpd="sng" algn="ctr">
+          <a:solidFill>
+            <a:schemeClr val="phClr"/>
+          </a:solidFill>
+          <a:prstDash val="solid"/>
+        </a:ln>
+        <a:ln w="38100" cap="flat" cmpd="sng" algn="ctr">
+          <a:solidFill>
+            <a:schemeClr val="phClr"/>
+          </a:solidFill>
+          <a:prstDash val="solid"/>
+        </a:ln>
+      </a:lnStyleLst>
+      <a:effectStyleLst>
+        <a:effectStyle>
+          <a:effectLst>
+            <a:outerShdw blurRad="40000" dist="20000" dir="5400000" rotWithShape="0">
+              <a:srgbClr val="000000">
+                <a:alpha val="38000"/>
+              </a:srgbClr>
+            </a:outerShdw>
+          </a:effectLst>
+        </a:effectStyle>
+        <a:effectStyle>
+          <a:effectLst>
+            <a:outerShdw blurRad="40000" dist="23000" dir="5400000" rotWithShape="0">
+              <a:srgbClr val="000000">
+                <a:alpha val="35000"/>
+              </a:srgbClr>
+            </a:outerShdw>
+          </a:effectLst>
+        </a:effectStyle>
+        <a:effectStyle>
+          <a:effectLst>
+            <a:outerShdw blurRad="40000" dist="23000" dir="5400000" rotWithShape="0">
+              <a:srgbClr val="000000">
+                <a:alpha val="35000"/>
+              </a:srgbClr>
+            </a:outerShdw>
+          </a:effectLst>
+          <a:scene3d>
+            <a:camera prst="orthographicFront">
+              <a:rot lat="0" lon="0" rev="0"/>
+            </a:camera>
+            <a:lightRig rig="threePt" dir="t">
+              <a:rot lat="0" lon="0" rev="1200000"/>
+            </a:lightRig>
+          </a:scene3d>
+          <a:sp3d>
+            <a:bevelT w="63500" h="25400"/>
+          </a:sp3d>
+        </a:effectStyle>
+      </a:effectStyleLst>
+      <a:bgFillStyleLst>
+        <a:solidFill>
+          <a:schemeClr val="phClr"/>
+        </a:solidFill>
+        <a:gradFill rotWithShape="1">
+          <a:gsLst>
+            <a:gs pos="0">
+              <a:schemeClr val="phClr">
+                <a:tint val="40000"/>
+                <a:satMod val="350000"/>
+              </a:schemeClr>
+            </a:gs>
+            <a:gs pos="40000">
+              <a:schemeClr val="phClr">
+                <a:tint val="45000"/>
+                <a:shade val="99000"/>
+                <a:satMod val="350000"/>
+              </a:schemeClr>
+            </a:gs>
+            <a:gs pos="100000">
+              <a:schemeClr val="phClr">
+                <a:shade val="20000"/>
+                <a:satMod val="255000"/>
+              </a:schemeClr>
+            </a:gs>
+          </a:gsLst>
+          <a:path path="circle">
+            <a:fillToRect l="50000" t="-80000" r="50000" b="180000"/>
+          </a:path>
+        </a:gradFill>
+        <a:gradFill rotWithShape="1">
+          <a:gsLst>
+            <a:gs pos="0">
+              <a:schemeClr val="phClr">
+                <a:tint val="80000"/>
+                <a:satMod val="300000"/>
+              </a:schemeClr>
+            </a:gs>
+            <a:gs pos="100000">
+              <a:schemeClr val="phClr">
+                <a:shade val="30000"/>
+                <a:satMod val="200000"/>
+              </a:schemeClr>
+            </a:gs>
+          </a:gsLst>
+          <a:path path="circle">
+            <a:fillToRect l="50000" t="50000" r="50000" b="50000"/>
+          </a:path>
+        </a:gradFill>
+      </a:bgFillStyleLst>
+    </a:fmtScheme>
+  </a:themeElements>
+</a:theme>
+</file>
+
+<file path=ppt/theme/theme2.xml><?xml version="1.0" encoding="utf-8"?>
 <a:theme xmlns:a="http://schemas.openxmlformats.org/drawingml/2006/main" xmlns:r="http://schemas.openxmlformats.org/officeDocument/2006/relationships" name="Simple Light">
   <a:themeElements>
     <a:clrScheme name="Simple Light">
@@ -42400,283 +42679,4 @@
     </a:fmtScheme>
   </a:themeElements>
 </a:theme>
-</file>
-
-<file path=ppt/theme/theme2.xml><?xml version="1.0" encoding="utf-8"?>
-<a:theme xmlns:a="http://schemas.openxmlformats.org/drawingml/2006/main" xmlns:r="http://schemas.openxmlformats.org/officeDocument/2006/relationships">
-  <a:themeElements>
-    <a:clrScheme name="Default">
-      <a:dk1>
-        <a:srgbClr val="000000"/>
-      </a:dk1>
-      <a:lt1>
-        <a:srgbClr val="FFFFFF"/>
-      </a:lt1>
-      <a:dk2>
-        <a:srgbClr val="158158"/>
-      </a:dk2>
-      <a:lt2>
-        <a:srgbClr val="F3F3F3"/>
-      </a:lt2>
-      <a:accent1>
-        <a:srgbClr val="058DC7"/>
-      </a:accent1>
-      <a:accent2>
-        <a:srgbClr val="50B432"/>
-      </a:accent2>
-      <a:accent3>
-        <a:srgbClr val="ED561B"/>
-      </a:accent3>
-      <a:accent4>
-        <a:srgbClr val="EDEF00"/>
-      </a:accent4>
-      <a:accent5>
-        <a:srgbClr val="24CBE5"/>
-      </a:accent5>
-      <a:accent6>
-        <a:srgbClr val="64E572"/>
-      </a:accent6>
-      <a:hlink>
-        <a:srgbClr val="2200CC"/>
-      </a:hlink>
-      <a:folHlink>
-        <a:srgbClr val="551A8B"/>
-      </a:folHlink>
-    </a:clrScheme>
-    <a:fontScheme name="Office">
-      <a:majorFont>
-        <a:latin typeface="Arial"/>
-        <a:ea typeface=""/>
-        <a:cs typeface=""/>
-        <a:font script="Jpan" typeface="ＭＳ Ｐゴシック"/>
-        <a:font script="Hang" typeface="맑은 고딕"/>
-        <a:font script="Hans" typeface="宋体"/>
-        <a:font script="Hant" typeface="新細明體"/>
-        <a:font script="Arab" typeface="Times New Roman"/>
-        <a:font script="Hebr" typeface="Times New Roman"/>
-        <a:font script="Thai" typeface="Angsana New"/>
-        <a:font script="Ethi" typeface="Nyala"/>
-        <a:font script="Beng" typeface="Vrinda"/>
-        <a:font script="Gujr" typeface="Shruti"/>
-        <a:font script="Khmr" typeface="MoolBoran"/>
-        <a:font script="Knda" typeface="Tunga"/>
-        <a:font script="Guru" typeface="Raavi"/>
-        <a:font script="Cans" typeface="Euphemia"/>
-        <a:font script="Cher" typeface="Plantagenet Cherokee"/>
-        <a:font script="Yiii" typeface="Microsoft Yi Baiti"/>
-        <a:font script="Tibt" typeface="Microsoft Himalaya"/>
-        <a:font script="Thaa" typeface="MV Boli"/>
-        <a:font script="Deva" typeface="Mangal"/>
-        <a:font script="Telu" typeface="Gautami"/>
-        <a:font script="Taml" typeface="Latha"/>
-        <a:font script="Syrc" typeface="Estrangelo Edessa"/>
-        <a:font script="Orya" typeface="Kalinga"/>
-        <a:font script="Mlym" typeface="Kartika"/>
-        <a:font script="Laoo" typeface="DokChampa"/>
-        <a:font script="Sinh" typeface="Iskoola Pota"/>
-        <a:font script="Mong" typeface="Mongolian Baiti"/>
-        <a:font script="Viet" typeface="Times New Roman"/>
-        <a:font script="Uigh" typeface="Microsoft Uighur"/>
-        <a:font script="Geor" typeface="Sylfaen"/>
-      </a:majorFont>
-      <a:minorFont>
-        <a:latin typeface="Arial"/>
-        <a:ea typeface=""/>
-        <a:cs typeface=""/>
-        <a:font script="Jpan" typeface="ＭＳ Ｐゴシック"/>
-        <a:font script="Hang" typeface="맑은 고딕"/>
-        <a:font script="Hans" typeface="宋体"/>
-        <a:font script="Hant" typeface="新細明體"/>
-        <a:font script="Arab" typeface="Arial"/>
-        <a:font script="Hebr" typeface="Arial"/>
-        <a:font script="Thai" typeface="Cordia New"/>
-        <a:font script="Ethi" typeface="Nyala"/>
-        <a:font script="Beng" typeface="Vrinda"/>
-        <a:font script="Gujr" typeface="Shruti"/>
-        <a:font script="Khmr" typeface="DaunPenh"/>
-        <a:font script="Knda" typeface="Tunga"/>
-        <a:font script="Guru" typeface="Raavi"/>
-        <a:font script="Cans" typeface="Euphemia"/>
-        <a:font script="Cher" typeface="Plantagenet Cherokee"/>
-        <a:font script="Yiii" typeface="Microsoft Yi Baiti"/>
-        <a:font script="Tibt" typeface="Microsoft Himalaya"/>
-        <a:font script="Thaa" typeface="MV Boli"/>
-        <a:font script="Deva" typeface="Mangal"/>
-        <a:font script="Telu" typeface="Gautami"/>
-        <a:font script="Taml" typeface="Latha"/>
-        <a:font script="Syrc" typeface="Estrangelo Edessa"/>
-        <a:font script="Orya" typeface="Kalinga"/>
-        <a:font script="Mlym" typeface="Kartika"/>
-        <a:font script="Laoo" typeface="DokChampa"/>
-        <a:font script="Sinh" typeface="Iskoola Pota"/>
-        <a:font script="Mong" typeface="Mongolian Baiti"/>
-        <a:font script="Viet" typeface="Arial"/>
-        <a:font script="Uigh" typeface="Microsoft Uighur"/>
-        <a:font script="Geor" typeface="Sylfaen"/>
-      </a:minorFont>
-    </a:fontScheme>
-    <a:fmtScheme name="Office">
-      <a:fillStyleLst>
-        <a:solidFill>
-          <a:schemeClr val="phClr"/>
-        </a:solidFill>
-        <a:gradFill rotWithShape="1">
-          <a:gsLst>
-            <a:gs pos="0">
-              <a:schemeClr val="phClr">
-                <a:tint val="50000"/>
-                <a:satMod val="300000"/>
-              </a:schemeClr>
-            </a:gs>
-            <a:gs pos="35000">
-              <a:schemeClr val="phClr">
-                <a:tint val="37000"/>
-                <a:satMod val="300000"/>
-              </a:schemeClr>
-            </a:gs>
-            <a:gs pos="100000">
-              <a:schemeClr val="phClr">
-                <a:tint val="15000"/>
-                <a:satMod val="350000"/>
-              </a:schemeClr>
-            </a:gs>
-          </a:gsLst>
-          <a:lin ang="16200000" scaled="1"/>
-        </a:gradFill>
-        <a:gradFill rotWithShape="1">
-          <a:gsLst>
-            <a:gs pos="0">
-              <a:schemeClr val="phClr">
-                <a:tint val="100000"/>
-                <a:shade val="100000"/>
-                <a:satMod val="130000"/>
-              </a:schemeClr>
-            </a:gs>
-            <a:gs pos="100000">
-              <a:schemeClr val="phClr">
-                <a:tint val="50000"/>
-                <a:shade val="100000"/>
-                <a:satMod val="350000"/>
-              </a:schemeClr>
-            </a:gs>
-          </a:gsLst>
-          <a:lin ang="16200000" scaled="0"/>
-        </a:gradFill>
-      </a:fillStyleLst>
-      <a:lnStyleLst>
-        <a:ln w="9525" cap="flat" cmpd="sng" algn="ctr">
-          <a:solidFill>
-            <a:schemeClr val="phClr">
-              <a:shade val="95000"/>
-              <a:satMod val="105000"/>
-            </a:schemeClr>
-          </a:solidFill>
-          <a:prstDash val="solid"/>
-        </a:ln>
-        <a:ln w="25400" cap="flat" cmpd="sng" algn="ctr">
-          <a:solidFill>
-            <a:schemeClr val="phClr"/>
-          </a:solidFill>
-          <a:prstDash val="solid"/>
-        </a:ln>
-        <a:ln w="38100" cap="flat" cmpd="sng" algn="ctr">
-          <a:solidFill>
-            <a:schemeClr val="phClr"/>
-          </a:solidFill>
-          <a:prstDash val="solid"/>
-        </a:ln>
-      </a:lnStyleLst>
-      <a:effectStyleLst>
-        <a:effectStyle>
-          <a:effectLst>
-            <a:outerShdw blurRad="40000" dist="20000" dir="5400000" rotWithShape="0">
-              <a:srgbClr val="000000">
-                <a:alpha val="38000"/>
-              </a:srgbClr>
-            </a:outerShdw>
-          </a:effectLst>
-        </a:effectStyle>
-        <a:effectStyle>
-          <a:effectLst>
-            <a:outerShdw blurRad="40000" dist="23000" dir="5400000" rotWithShape="0">
-              <a:srgbClr val="000000">
-                <a:alpha val="35000"/>
-              </a:srgbClr>
-            </a:outerShdw>
-          </a:effectLst>
-        </a:effectStyle>
-        <a:effectStyle>
-          <a:effectLst>
-            <a:outerShdw blurRad="40000" dist="23000" dir="5400000" rotWithShape="0">
-              <a:srgbClr val="000000">
-                <a:alpha val="35000"/>
-              </a:srgbClr>
-            </a:outerShdw>
-          </a:effectLst>
-          <a:scene3d>
-            <a:camera prst="orthographicFront">
-              <a:rot lat="0" lon="0" rev="0"/>
-            </a:camera>
-            <a:lightRig rig="threePt" dir="t">
-              <a:rot lat="0" lon="0" rev="1200000"/>
-            </a:lightRig>
-          </a:scene3d>
-          <a:sp3d>
-            <a:bevelT w="63500" h="25400"/>
-          </a:sp3d>
-        </a:effectStyle>
-      </a:effectStyleLst>
-      <a:bgFillStyleLst>
-        <a:solidFill>
-          <a:schemeClr val="phClr"/>
-        </a:solidFill>
-        <a:gradFill rotWithShape="1">
-          <a:gsLst>
-            <a:gs pos="0">
-              <a:schemeClr val="phClr">
-                <a:tint val="40000"/>
-                <a:satMod val="350000"/>
-              </a:schemeClr>
-            </a:gs>
-            <a:gs pos="40000">
-              <a:schemeClr val="phClr">
-                <a:tint val="45000"/>
-                <a:shade val="99000"/>
-                <a:satMod val="350000"/>
-              </a:schemeClr>
-            </a:gs>
-            <a:gs pos="100000">
-              <a:schemeClr val="phClr">
-                <a:shade val="20000"/>
-                <a:satMod val="255000"/>
-              </a:schemeClr>
-            </a:gs>
-          </a:gsLst>
-          <a:path path="circle">
-            <a:fillToRect l="50000" t="-80000" r="50000" b="180000"/>
-          </a:path>
-        </a:gradFill>
-        <a:gradFill rotWithShape="1">
-          <a:gsLst>
-            <a:gs pos="0">
-              <a:schemeClr val="phClr">
-                <a:tint val="80000"/>
-                <a:satMod val="300000"/>
-              </a:schemeClr>
-            </a:gs>
-            <a:gs pos="100000">
-              <a:schemeClr val="phClr">
-                <a:shade val="30000"/>
-                <a:satMod val="200000"/>
-              </a:schemeClr>
-            </a:gs>
-          </a:gsLst>
-          <a:path path="circle">
-            <a:fillToRect l="50000" t="50000" r="50000" b="50000"/>
-          </a:path>
-        </a:gradFill>
-      </a:bgFillStyleLst>
-    </a:fmtScheme>
-  </a:themeElements>
-</a:theme>
 </file>
--- a/books/deep-learning-design-patterns/Workshops/Junior/Deep Learning Design Patterns - Workshop - Chapter 1.pptx
+++ b/books/deep-learning-design-patterns/Workshops/Junior/Deep Learning Design Patterns - Workshop - Chapter 1.pptx
@@ -824,7 +824,7 @@
   <p:cSld>
     <p:spTree>
       <p:nvGrpSpPr>
-        <p:cNvPr id="144" name="Shape 144"/>
+        <p:cNvPr id="148" name="Shape 148"/>
         <p:cNvGrpSpPr/>
         <p:nvPr/>
       </p:nvGrpSpPr>
@@ -838,7 +838,7 @@
       </p:grpSpPr>
       <p:sp>
         <p:nvSpPr>
-          <p:cNvPr id="145" name="Google Shape;145;g7d027be3d8_0_22:notes"/>
+          <p:cNvPr id="149" name="Google Shape;149;g7d027be3d8_0_22:notes"/>
           <p:cNvSpPr/>
           <p:nvPr>
             <p:ph idx="2" type="sldImg"/>
@@ -873,7 +873,7 @@
       </p:sp>
       <p:sp>
         <p:nvSpPr>
-          <p:cNvPr id="146" name="Google Shape;146;g7d027be3d8_0_22:notes"/>
+          <p:cNvPr id="150" name="Google Shape;150;g7d027be3d8_0_22:notes"/>
           <p:cNvSpPr txBox="1"/>
           <p:nvPr>
             <p:ph idx="1" type="body"/>
@@ -923,7 +923,7 @@
   <p:cSld>
     <p:spTree>
       <p:nvGrpSpPr>
-        <p:cNvPr id="154" name="Shape 154"/>
+        <p:cNvPr id="158" name="Shape 158"/>
         <p:cNvGrpSpPr/>
         <p:nvPr/>
       </p:nvGrpSpPr>
@@ -937,7 +937,7 @@
       </p:grpSpPr>
       <p:sp>
         <p:nvSpPr>
-          <p:cNvPr id="155" name="Google Shape;155;g7d027be3d8_0_33:notes"/>
+          <p:cNvPr id="159" name="Google Shape;159;g7d027be3d8_0_33:notes"/>
           <p:cNvSpPr/>
           <p:nvPr>
             <p:ph idx="2" type="sldImg"/>
@@ -972,7 +972,7 @@
       </p:sp>
       <p:sp>
         <p:nvSpPr>
-          <p:cNvPr id="156" name="Google Shape;156;g7d027be3d8_0_33:notes"/>
+          <p:cNvPr id="160" name="Google Shape;160;g7d027be3d8_0_33:notes"/>
           <p:cNvSpPr txBox="1"/>
           <p:nvPr>
             <p:ph idx="1" type="body"/>
@@ -1022,7 +1022,7 @@
   <p:cSld>
     <p:spTree>
       <p:nvGrpSpPr>
-        <p:cNvPr id="164" name="Shape 164"/>
+        <p:cNvPr id="168" name="Shape 168"/>
         <p:cNvGrpSpPr/>
         <p:nvPr/>
       </p:nvGrpSpPr>
@@ -1036,7 +1036,7 @@
       </p:grpSpPr>
       <p:sp>
         <p:nvSpPr>
-          <p:cNvPr id="165" name="Google Shape;165;g7d027be3d8_0_53:notes"/>
+          <p:cNvPr id="169" name="Google Shape;169;g7d027be3d8_0_53:notes"/>
           <p:cNvSpPr/>
           <p:nvPr>
             <p:ph idx="2" type="sldImg"/>
@@ -1071,7 +1071,7 @@
       </p:sp>
       <p:sp>
         <p:nvSpPr>
-          <p:cNvPr id="166" name="Google Shape;166;g7d027be3d8_0_53:notes"/>
+          <p:cNvPr id="170" name="Google Shape;170;g7d027be3d8_0_53:notes"/>
           <p:cNvSpPr txBox="1"/>
           <p:nvPr>
             <p:ph idx="1" type="body"/>
@@ -1121,7 +1121,7 @@
   <p:cSld>
     <p:spTree>
       <p:nvGrpSpPr>
-        <p:cNvPr id="173" name="Shape 173"/>
+        <p:cNvPr id="177" name="Shape 177"/>
         <p:cNvGrpSpPr/>
         <p:nvPr/>
       </p:nvGrpSpPr>
@@ -1135,7 +1135,7 @@
       </p:grpSpPr>
       <p:sp>
         <p:nvSpPr>
-          <p:cNvPr id="174" name="Google Shape;174;g7d027be3d8_0_64:notes"/>
+          <p:cNvPr id="178" name="Google Shape;178;g7d027be3d8_0_64:notes"/>
           <p:cNvSpPr/>
           <p:nvPr>
             <p:ph idx="2" type="sldImg"/>
@@ -1170,7 +1170,7 @@
       </p:sp>
       <p:sp>
         <p:nvSpPr>
-          <p:cNvPr id="175" name="Google Shape;175;g7d027be3d8_0_64:notes"/>
+          <p:cNvPr id="179" name="Google Shape;179;g7d027be3d8_0_64:notes"/>
           <p:cNvSpPr txBox="1"/>
           <p:nvPr>
             <p:ph idx="1" type="body"/>
@@ -1220,7 +1220,7 @@
   <p:cSld>
     <p:spTree>
       <p:nvGrpSpPr>
-        <p:cNvPr id="182" name="Shape 182"/>
+        <p:cNvPr id="186" name="Shape 186"/>
         <p:cNvGrpSpPr/>
         <p:nvPr/>
       </p:nvGrpSpPr>
@@ -1234,7 +1234,7 @@
       </p:grpSpPr>
       <p:sp>
         <p:nvSpPr>
-          <p:cNvPr id="183" name="Google Shape;183;g7d027be3d8_0_75:notes"/>
+          <p:cNvPr id="187" name="Google Shape;187;g7d027be3d8_0_75:notes"/>
           <p:cNvSpPr/>
           <p:nvPr>
             <p:ph idx="2" type="sldImg"/>
@@ -1269,7 +1269,7 @@
       </p:sp>
       <p:sp>
         <p:nvSpPr>
-          <p:cNvPr id="184" name="Google Shape;184;g7d027be3d8_0_75:notes"/>
+          <p:cNvPr id="188" name="Google Shape;188;g7d027be3d8_0_75:notes"/>
           <p:cNvSpPr txBox="1"/>
           <p:nvPr>
             <p:ph idx="1" type="body"/>
@@ -1319,7 +1319,7 @@
   <p:cSld>
     <p:spTree>
       <p:nvGrpSpPr>
-        <p:cNvPr id="191" name="Shape 191"/>
+        <p:cNvPr id="195" name="Shape 195"/>
         <p:cNvGrpSpPr/>
         <p:nvPr/>
       </p:nvGrpSpPr>
@@ -1333,7 +1333,7 @@
       </p:grpSpPr>
       <p:sp>
         <p:nvSpPr>
-          <p:cNvPr id="192" name="Google Shape;192;g7d027be3d8_0_85:notes"/>
+          <p:cNvPr id="196" name="Google Shape;196;g7d027be3d8_0_85:notes"/>
           <p:cNvSpPr/>
           <p:nvPr>
             <p:ph idx="2" type="sldImg"/>
@@ -1368,7 +1368,7 @@
       </p:sp>
       <p:sp>
         <p:nvSpPr>
-          <p:cNvPr id="193" name="Google Shape;193;g7d027be3d8_0_85:notes"/>
+          <p:cNvPr id="197" name="Google Shape;197;g7d027be3d8_0_85:notes"/>
           <p:cNvSpPr txBox="1"/>
           <p:nvPr>
             <p:ph idx="1" type="body"/>
@@ -1418,7 +1418,7 @@
   <p:cSld>
     <p:spTree>
       <p:nvGrpSpPr>
-        <p:cNvPr id="201" name="Shape 201"/>
+        <p:cNvPr id="205" name="Shape 205"/>
         <p:cNvGrpSpPr/>
         <p:nvPr/>
       </p:nvGrpSpPr>
@@ -1432,7 +1432,7 @@
       </p:grpSpPr>
       <p:sp>
         <p:nvSpPr>
-          <p:cNvPr id="202" name="Google Shape;202;g7d027be3d8_0_95:notes"/>
+          <p:cNvPr id="206" name="Google Shape;206;g7d027be3d8_0_95:notes"/>
           <p:cNvSpPr/>
           <p:nvPr>
             <p:ph idx="2" type="sldImg"/>
@@ -1467,7 +1467,7 @@
       </p:sp>
       <p:sp>
         <p:nvSpPr>
-          <p:cNvPr id="203" name="Google Shape;203;g7d027be3d8_0_95:notes"/>
+          <p:cNvPr id="207" name="Google Shape;207;g7d027be3d8_0_95:notes"/>
           <p:cNvSpPr txBox="1"/>
           <p:nvPr>
             <p:ph idx="1" type="body"/>
@@ -1517,7 +1517,7 @@
   <p:cSld>
     <p:spTree>
       <p:nvGrpSpPr>
-        <p:cNvPr id="211" name="Shape 211"/>
+        <p:cNvPr id="215" name="Shape 215"/>
         <p:cNvGrpSpPr/>
         <p:nvPr/>
       </p:nvGrpSpPr>
@@ -1531,7 +1531,7 @@
       </p:grpSpPr>
       <p:sp>
         <p:nvSpPr>
-          <p:cNvPr id="212" name="Google Shape;212;g7d027be3d8_0_106:notes"/>
+          <p:cNvPr id="216" name="Google Shape;216;g7d027be3d8_0_106:notes"/>
           <p:cNvSpPr/>
           <p:nvPr>
             <p:ph idx="2" type="sldImg"/>
@@ -1566,7 +1566,7 @@
       </p:sp>
       <p:sp>
         <p:nvSpPr>
-          <p:cNvPr id="213" name="Google Shape;213;g7d027be3d8_0_106:notes"/>
+          <p:cNvPr id="217" name="Google Shape;217;g7d027be3d8_0_106:notes"/>
           <p:cNvSpPr txBox="1"/>
           <p:nvPr>
             <p:ph idx="1" type="body"/>
@@ -1616,7 +1616,7 @@
   <p:cSld>
     <p:spTree>
       <p:nvGrpSpPr>
-        <p:cNvPr id="220" name="Shape 220"/>
+        <p:cNvPr id="224" name="Shape 224"/>
         <p:cNvGrpSpPr/>
         <p:nvPr/>
       </p:nvGrpSpPr>
@@ -1630,7 +1630,7 @@
       </p:grpSpPr>
       <p:sp>
         <p:nvSpPr>
-          <p:cNvPr id="221" name="Google Shape;221;g7d027be3d8_0_116:notes"/>
+          <p:cNvPr id="225" name="Google Shape;225;g7d027be3d8_0_116:notes"/>
           <p:cNvSpPr/>
           <p:nvPr>
             <p:ph idx="2" type="sldImg"/>
@@ -1665,7 +1665,7 @@
       </p:sp>
       <p:sp>
         <p:nvSpPr>
-          <p:cNvPr id="222" name="Google Shape;222;g7d027be3d8_0_116:notes"/>
+          <p:cNvPr id="226" name="Google Shape;226;g7d027be3d8_0_116:notes"/>
           <p:cNvSpPr txBox="1"/>
           <p:nvPr>
             <p:ph idx="1" type="body"/>
@@ -1715,7 +1715,7 @@
   <p:cSld>
     <p:spTree>
       <p:nvGrpSpPr>
-        <p:cNvPr id="228" name="Shape 228"/>
+        <p:cNvPr id="232" name="Shape 232"/>
         <p:cNvGrpSpPr/>
         <p:nvPr/>
       </p:nvGrpSpPr>
@@ -1729,7 +1729,7 @@
       </p:grpSpPr>
       <p:sp>
         <p:nvSpPr>
-          <p:cNvPr id="229" name="Google Shape;229;g7d027be3d8_0_124:notes"/>
+          <p:cNvPr id="233" name="Google Shape;233;g7d027be3d8_0_124:notes"/>
           <p:cNvSpPr/>
           <p:nvPr>
             <p:ph idx="2" type="sldImg"/>
@@ -1764,7 +1764,7 @@
       </p:sp>
       <p:sp>
         <p:nvSpPr>
-          <p:cNvPr id="230" name="Google Shape;230;g7d027be3d8_0_124:notes"/>
+          <p:cNvPr id="234" name="Google Shape;234;g7d027be3d8_0_124:notes"/>
           <p:cNvSpPr txBox="1"/>
           <p:nvPr>
             <p:ph idx="1" type="body"/>
@@ -1913,7 +1913,7 @@
   <p:cSld>
     <p:spTree>
       <p:nvGrpSpPr>
-        <p:cNvPr id="237" name="Shape 237"/>
+        <p:cNvPr id="241" name="Shape 241"/>
         <p:cNvGrpSpPr/>
         <p:nvPr/>
       </p:nvGrpSpPr>
@@ -1927,7 +1927,7 @@
       </p:grpSpPr>
       <p:sp>
         <p:nvSpPr>
-          <p:cNvPr id="238" name="Google Shape;238;g7d027be3d8_0_134:notes"/>
+          <p:cNvPr id="242" name="Google Shape;242;g7d027be3d8_0_134:notes"/>
           <p:cNvSpPr/>
           <p:nvPr>
             <p:ph idx="2" type="sldImg"/>
@@ -1962,7 +1962,7 @@
       </p:sp>
       <p:sp>
         <p:nvSpPr>
-          <p:cNvPr id="239" name="Google Shape;239;g7d027be3d8_0_134:notes"/>
+          <p:cNvPr id="243" name="Google Shape;243;g7d027be3d8_0_134:notes"/>
           <p:cNvSpPr txBox="1"/>
           <p:nvPr>
             <p:ph idx="1" type="body"/>
@@ -2012,7 +2012,7 @@
   <p:cSld>
     <p:spTree>
       <p:nvGrpSpPr>
-        <p:cNvPr id="245" name="Shape 245"/>
+        <p:cNvPr id="249" name="Shape 249"/>
         <p:cNvGrpSpPr/>
         <p:nvPr/>
       </p:nvGrpSpPr>
@@ -2026,7 +2026,7 @@
       </p:grpSpPr>
       <p:sp>
         <p:nvSpPr>
-          <p:cNvPr id="246" name="Google Shape;246;g7d027be3d8_0_142:notes"/>
+          <p:cNvPr id="250" name="Google Shape;250;g7d027be3d8_0_142:notes"/>
           <p:cNvSpPr/>
           <p:nvPr>
             <p:ph idx="2" type="sldImg"/>
@@ -2061,7 +2061,7 @@
       </p:sp>
       <p:sp>
         <p:nvSpPr>
-          <p:cNvPr id="247" name="Google Shape;247;g7d027be3d8_0_142:notes"/>
+          <p:cNvPr id="251" name="Google Shape;251;g7d027be3d8_0_142:notes"/>
           <p:cNvSpPr txBox="1"/>
           <p:nvPr>
             <p:ph idx="1" type="body"/>
@@ -2111,7 +2111,7 @@
   <p:cSld>
     <p:spTree>
       <p:nvGrpSpPr>
-        <p:cNvPr id="255" name="Shape 255"/>
+        <p:cNvPr id="259" name="Shape 259"/>
         <p:cNvGrpSpPr/>
         <p:nvPr/>
       </p:nvGrpSpPr>
@@ -2125,7 +2125,7 @@
       </p:grpSpPr>
       <p:sp>
         <p:nvSpPr>
-          <p:cNvPr id="256" name="Google Shape;256;g7d027be3d8_0_151:notes"/>
+          <p:cNvPr id="260" name="Google Shape;260;g7d027be3d8_0_151:notes"/>
           <p:cNvSpPr/>
           <p:nvPr>
             <p:ph idx="2" type="sldImg"/>
@@ -2160,7 +2160,7 @@
       </p:sp>
       <p:sp>
         <p:nvSpPr>
-          <p:cNvPr id="257" name="Google Shape;257;g7d027be3d8_0_151:notes"/>
+          <p:cNvPr id="261" name="Google Shape;261;g7d027be3d8_0_151:notes"/>
           <p:cNvSpPr txBox="1"/>
           <p:nvPr>
             <p:ph idx="1" type="body"/>
@@ -2210,7 +2210,7 @@
   <p:cSld>
     <p:spTree>
       <p:nvGrpSpPr>
-        <p:cNvPr id="264" name="Shape 264"/>
+        <p:cNvPr id="268" name="Shape 268"/>
         <p:cNvGrpSpPr/>
         <p:nvPr/>
       </p:nvGrpSpPr>
@@ -2224,7 +2224,7 @@
       </p:grpSpPr>
       <p:sp>
         <p:nvSpPr>
-          <p:cNvPr id="265" name="Google Shape;265;g7d027be3d8_0_162:notes"/>
+          <p:cNvPr id="269" name="Google Shape;269;g7d027be3d8_0_162:notes"/>
           <p:cNvSpPr/>
           <p:nvPr>
             <p:ph idx="2" type="sldImg"/>
@@ -2259,7 +2259,7 @@
       </p:sp>
       <p:sp>
         <p:nvSpPr>
-          <p:cNvPr id="266" name="Google Shape;266;g7d027be3d8_0_162:notes"/>
+          <p:cNvPr id="270" name="Google Shape;270;g7d027be3d8_0_162:notes"/>
           <p:cNvSpPr txBox="1"/>
           <p:nvPr>
             <p:ph idx="1" type="body"/>
@@ -2309,7 +2309,7 @@
   <p:cSld>
     <p:spTree>
       <p:nvGrpSpPr>
-        <p:cNvPr id="273" name="Shape 273"/>
+        <p:cNvPr id="277" name="Shape 277"/>
         <p:cNvGrpSpPr/>
         <p:nvPr/>
       </p:nvGrpSpPr>
@@ -2323,7 +2323,7 @@
       </p:grpSpPr>
       <p:sp>
         <p:nvSpPr>
-          <p:cNvPr id="274" name="Google Shape;274;g7d027be3d8_0_181:notes"/>
+          <p:cNvPr id="278" name="Google Shape;278;g7d027be3d8_0_181:notes"/>
           <p:cNvSpPr/>
           <p:nvPr>
             <p:ph idx="2" type="sldImg"/>
@@ -2358,7 +2358,7 @@
       </p:sp>
       <p:sp>
         <p:nvSpPr>
-          <p:cNvPr id="275" name="Google Shape;275;g7d027be3d8_0_181:notes"/>
+          <p:cNvPr id="279" name="Google Shape;279;g7d027be3d8_0_181:notes"/>
           <p:cNvSpPr txBox="1"/>
           <p:nvPr>
             <p:ph idx="1" type="body"/>
@@ -2408,7 +2408,7 @@
   <p:cSld>
     <p:spTree>
       <p:nvGrpSpPr>
-        <p:cNvPr id="282" name="Shape 282"/>
+        <p:cNvPr id="286" name="Shape 286"/>
         <p:cNvGrpSpPr/>
         <p:nvPr/>
       </p:nvGrpSpPr>
@@ -2422,7 +2422,7 @@
       </p:grpSpPr>
       <p:sp>
         <p:nvSpPr>
-          <p:cNvPr id="283" name="Google Shape;283;g7d027be3d8_0_191:notes"/>
+          <p:cNvPr id="287" name="Google Shape;287;g7d027be3d8_0_191:notes"/>
           <p:cNvSpPr/>
           <p:nvPr>
             <p:ph idx="2" type="sldImg"/>
@@ -2457,7 +2457,7 @@
       </p:sp>
       <p:sp>
         <p:nvSpPr>
-          <p:cNvPr id="284" name="Google Shape;284;g7d027be3d8_0_191:notes"/>
+          <p:cNvPr id="288" name="Google Shape;288;g7d027be3d8_0_191:notes"/>
           <p:cNvSpPr txBox="1"/>
           <p:nvPr>
             <p:ph idx="1" type="body"/>
@@ -2507,7 +2507,7 @@
   <p:cSld>
     <p:spTree>
       <p:nvGrpSpPr>
-        <p:cNvPr id="290" name="Shape 290"/>
+        <p:cNvPr id="294" name="Shape 294"/>
         <p:cNvGrpSpPr/>
         <p:nvPr/>
       </p:nvGrpSpPr>
@@ -2521,7 +2521,7 @@
       </p:grpSpPr>
       <p:sp>
         <p:nvSpPr>
-          <p:cNvPr id="291" name="Google Shape;291;g7d027be3d8_0_199:notes"/>
+          <p:cNvPr id="295" name="Google Shape;295;g7d027be3d8_0_199:notes"/>
           <p:cNvSpPr/>
           <p:nvPr>
             <p:ph idx="2" type="sldImg"/>
@@ -2556,7 +2556,7 @@
       </p:sp>
       <p:sp>
         <p:nvSpPr>
-          <p:cNvPr id="292" name="Google Shape;292;g7d027be3d8_0_199:notes"/>
+          <p:cNvPr id="296" name="Google Shape;296;g7d027be3d8_0_199:notes"/>
           <p:cNvSpPr txBox="1"/>
           <p:nvPr>
             <p:ph idx="1" type="body"/>
@@ -2606,7 +2606,7 @@
   <p:cSld>
     <p:spTree>
       <p:nvGrpSpPr>
-        <p:cNvPr id="299" name="Shape 299"/>
+        <p:cNvPr id="303" name="Shape 303"/>
         <p:cNvGrpSpPr/>
         <p:nvPr/>
       </p:nvGrpSpPr>
@@ -2620,7 +2620,7 @@
       </p:grpSpPr>
       <p:sp>
         <p:nvSpPr>
-          <p:cNvPr id="300" name="Google Shape;300;g7d027be3d8_0_207:notes"/>
+          <p:cNvPr id="304" name="Google Shape;304;g7d027be3d8_0_207:notes"/>
           <p:cNvSpPr/>
           <p:nvPr>
             <p:ph idx="2" type="sldImg"/>
@@ -2655,7 +2655,7 @@
       </p:sp>
       <p:sp>
         <p:nvSpPr>
-          <p:cNvPr id="301" name="Google Shape;301;g7d027be3d8_0_207:notes"/>
+          <p:cNvPr id="305" name="Google Shape;305;g7d027be3d8_0_207:notes"/>
           <p:cNvSpPr txBox="1"/>
           <p:nvPr>
             <p:ph idx="1" type="body"/>
@@ -2705,7 +2705,7 @@
   <p:cSld>
     <p:spTree>
       <p:nvGrpSpPr>
-        <p:cNvPr id="307" name="Shape 307"/>
+        <p:cNvPr id="311" name="Shape 311"/>
         <p:cNvGrpSpPr/>
         <p:nvPr/>
       </p:nvGrpSpPr>
@@ -2719,7 +2719,7 @@
       </p:grpSpPr>
       <p:sp>
         <p:nvSpPr>
-          <p:cNvPr id="308" name="Google Shape;308;g7d027be3d8_0_221:notes"/>
+          <p:cNvPr id="312" name="Google Shape;312;g7d027be3d8_0_221:notes"/>
           <p:cNvSpPr/>
           <p:nvPr>
             <p:ph idx="2" type="sldImg"/>
@@ -2754,7 +2754,7 @@
       </p:sp>
       <p:sp>
         <p:nvSpPr>
-          <p:cNvPr id="309" name="Google Shape;309;g7d027be3d8_0_221:notes"/>
+          <p:cNvPr id="313" name="Google Shape;313;g7d027be3d8_0_221:notes"/>
           <p:cNvSpPr txBox="1"/>
           <p:nvPr>
             <p:ph idx="1" type="body"/>
@@ -2804,7 +2804,7 @@
   <p:cSld>
     <p:spTree>
       <p:nvGrpSpPr>
-        <p:cNvPr id="316" name="Shape 316"/>
+        <p:cNvPr id="320" name="Shape 320"/>
         <p:cNvGrpSpPr/>
         <p:nvPr/>
       </p:nvGrpSpPr>
@@ -2818,7 +2818,7 @@
       </p:grpSpPr>
       <p:sp>
         <p:nvSpPr>
-          <p:cNvPr id="317" name="Google Shape;317;g7d027be3d8_0_230:notes"/>
+          <p:cNvPr id="321" name="Google Shape;321;g7d027be3d8_0_230:notes"/>
           <p:cNvSpPr/>
           <p:nvPr>
             <p:ph idx="2" type="sldImg"/>
@@ -2853,7 +2853,7 @@
       </p:sp>
       <p:sp>
         <p:nvSpPr>
-          <p:cNvPr id="318" name="Google Shape;318;g7d027be3d8_0_230:notes"/>
+          <p:cNvPr id="322" name="Google Shape;322;g7d027be3d8_0_230:notes"/>
           <p:cNvSpPr txBox="1"/>
           <p:nvPr>
             <p:ph idx="1" type="body"/>
@@ -3002,7 +3002,7 @@
   <p:cSld>
     <p:spTree>
       <p:nvGrpSpPr>
-        <p:cNvPr id="324" name="Shape 324"/>
+        <p:cNvPr id="328" name="Shape 328"/>
         <p:cNvGrpSpPr/>
         <p:nvPr/>
       </p:nvGrpSpPr>
@@ -3016,7 +3016,7 @@
       </p:grpSpPr>
       <p:sp>
         <p:nvSpPr>
-          <p:cNvPr id="325" name="Google Shape;325;g7d027be3d8_0_239:notes"/>
+          <p:cNvPr id="329" name="Google Shape;329;g7d027be3d8_0_239:notes"/>
           <p:cNvSpPr/>
           <p:nvPr>
             <p:ph idx="2" type="sldImg"/>
@@ -3051,7 +3051,7 @@
       </p:sp>
       <p:sp>
         <p:nvSpPr>
-          <p:cNvPr id="326" name="Google Shape;326;g7d027be3d8_0_239:notes"/>
+          <p:cNvPr id="330" name="Google Shape;330;g7d027be3d8_0_239:notes"/>
           <p:cNvSpPr txBox="1"/>
           <p:nvPr>
             <p:ph idx="1" type="body"/>
@@ -3101,7 +3101,7 @@
   <p:cSld>
     <p:spTree>
       <p:nvGrpSpPr>
-        <p:cNvPr id="332" name="Shape 332"/>
+        <p:cNvPr id="336" name="Shape 336"/>
         <p:cNvGrpSpPr/>
         <p:nvPr/>
       </p:nvGrpSpPr>
@@ -3115,7 +3115,7 @@
       </p:grpSpPr>
       <p:sp>
         <p:nvSpPr>
-          <p:cNvPr id="333" name="Google Shape;333;g7d027be3d8_0_248:notes"/>
+          <p:cNvPr id="337" name="Google Shape;337;g7d027be3d8_0_248:notes"/>
           <p:cNvSpPr/>
           <p:nvPr>
             <p:ph idx="2" type="sldImg"/>
@@ -3150,7 +3150,7 @@
       </p:sp>
       <p:sp>
         <p:nvSpPr>
-          <p:cNvPr id="334" name="Google Shape;334;g7d027be3d8_0_248:notes"/>
+          <p:cNvPr id="338" name="Google Shape;338;g7d027be3d8_0_248:notes"/>
           <p:cNvSpPr txBox="1"/>
           <p:nvPr>
             <p:ph idx="1" type="body"/>
@@ -3200,7 +3200,7 @@
   <p:cSld>
     <p:spTree>
       <p:nvGrpSpPr>
-        <p:cNvPr id="339" name="Shape 339"/>
+        <p:cNvPr id="343" name="Shape 343"/>
         <p:cNvGrpSpPr/>
         <p:nvPr/>
       </p:nvGrpSpPr>
@@ -3214,7 +3214,7 @@
       </p:grpSpPr>
       <p:sp>
         <p:nvSpPr>
-          <p:cNvPr id="340" name="Google Shape;340;g7d027be3d8_0_258:notes"/>
+          <p:cNvPr id="344" name="Google Shape;344;g7d027be3d8_0_258:notes"/>
           <p:cNvSpPr/>
           <p:nvPr>
             <p:ph idx="2" type="sldImg"/>
@@ -3249,7 +3249,7 @@
       </p:sp>
       <p:sp>
         <p:nvSpPr>
-          <p:cNvPr id="341" name="Google Shape;341;g7d027be3d8_0_258:notes"/>
+          <p:cNvPr id="345" name="Google Shape;345;g7d027be3d8_0_258:notes"/>
           <p:cNvSpPr txBox="1"/>
           <p:nvPr>
             <p:ph idx="1" type="body"/>
@@ -3299,7 +3299,7 @@
   <p:cSld>
     <p:spTree>
       <p:nvGrpSpPr>
-        <p:cNvPr id="347" name="Shape 347"/>
+        <p:cNvPr id="351" name="Shape 351"/>
         <p:cNvGrpSpPr/>
         <p:nvPr/>
       </p:nvGrpSpPr>
@@ -3313,7 +3313,7 @@
       </p:grpSpPr>
       <p:sp>
         <p:nvSpPr>
-          <p:cNvPr id="348" name="Google Shape;348;g7d027be3d8_0_266:notes"/>
+          <p:cNvPr id="352" name="Google Shape;352;g7d027be3d8_0_266:notes"/>
           <p:cNvSpPr/>
           <p:nvPr>
             <p:ph idx="2" type="sldImg"/>
@@ -3348,7 +3348,7 @@
       </p:sp>
       <p:sp>
         <p:nvSpPr>
-          <p:cNvPr id="349" name="Google Shape;349;g7d027be3d8_0_266:notes"/>
+          <p:cNvPr id="353" name="Google Shape;353;g7d027be3d8_0_266:notes"/>
           <p:cNvSpPr txBox="1"/>
           <p:nvPr>
             <p:ph idx="1" type="body"/>
@@ -3398,7 +3398,7 @@
   <p:cSld>
     <p:spTree>
       <p:nvGrpSpPr>
-        <p:cNvPr id="355" name="Shape 355"/>
+        <p:cNvPr id="359" name="Shape 359"/>
         <p:cNvGrpSpPr/>
         <p:nvPr/>
       </p:nvGrpSpPr>
@@ -3412,7 +3412,7 @@
       </p:grpSpPr>
       <p:sp>
         <p:nvSpPr>
-          <p:cNvPr id="356" name="Google Shape;356;g7d027be3d8_0_275:notes"/>
+          <p:cNvPr id="360" name="Google Shape;360;g7d027be3d8_0_275:notes"/>
           <p:cNvSpPr/>
           <p:nvPr>
             <p:ph idx="2" type="sldImg"/>
@@ -3447,7 +3447,7 @@
       </p:sp>
       <p:sp>
         <p:nvSpPr>
-          <p:cNvPr id="357" name="Google Shape;357;g7d027be3d8_0_275:notes"/>
+          <p:cNvPr id="361" name="Google Shape;361;g7d027be3d8_0_275:notes"/>
           <p:cNvSpPr txBox="1"/>
           <p:nvPr>
             <p:ph idx="1" type="body"/>
@@ -3497,7 +3497,7 @@
   <p:cSld>
     <p:spTree>
       <p:nvGrpSpPr>
-        <p:cNvPr id="364" name="Shape 364"/>
+        <p:cNvPr id="368" name="Shape 368"/>
         <p:cNvGrpSpPr/>
         <p:nvPr/>
       </p:nvGrpSpPr>
@@ -3511,7 +3511,7 @@
       </p:grpSpPr>
       <p:sp>
         <p:nvSpPr>
-          <p:cNvPr id="365" name="Google Shape;365;g58952ecbb8_0_9:notes"/>
+          <p:cNvPr id="369" name="Google Shape;369;g58952ecbb8_0_9:notes"/>
           <p:cNvSpPr/>
           <p:nvPr>
             <p:ph idx="2" type="sldImg"/>
@@ -3546,7 +3546,7 @@
       </p:sp>
       <p:sp>
         <p:nvSpPr>
-          <p:cNvPr id="366" name="Google Shape;366;g58952ecbb8_0_9:notes"/>
+          <p:cNvPr id="370" name="Google Shape;370;g58952ecbb8_0_9:notes"/>
           <p:cNvSpPr txBox="1"/>
           <p:nvPr>
             <p:ph idx="1" type="body"/>
@@ -3794,7 +3794,7 @@
   <p:cSld>
     <p:spTree>
       <p:nvGrpSpPr>
-        <p:cNvPr id="108" name="Shape 108"/>
+        <p:cNvPr id="112" name="Shape 112"/>
         <p:cNvGrpSpPr/>
         <p:nvPr/>
       </p:nvGrpSpPr>
@@ -3808,7 +3808,7 @@
       </p:grpSpPr>
       <p:sp>
         <p:nvSpPr>
-          <p:cNvPr id="109" name="Google Shape;109;g76b15df6a0_0_152:notes"/>
+          <p:cNvPr id="113" name="Google Shape;113;g76b15df6a0_0_152:notes"/>
           <p:cNvSpPr/>
           <p:nvPr>
             <p:ph idx="2" type="sldImg"/>
@@ -3843,7 +3843,7 @@
       </p:sp>
       <p:sp>
         <p:nvSpPr>
-          <p:cNvPr id="110" name="Google Shape;110;g76b15df6a0_0_152:notes"/>
+          <p:cNvPr id="114" name="Google Shape;114;g76b15df6a0_0_152:notes"/>
           <p:cNvSpPr txBox="1"/>
           <p:nvPr>
             <p:ph idx="1" type="body"/>
@@ -3893,7 +3893,7 @@
   <p:cSld>
     <p:spTree>
       <p:nvGrpSpPr>
-        <p:cNvPr id="117" name="Shape 117"/>
+        <p:cNvPr id="121" name="Shape 121"/>
         <p:cNvGrpSpPr/>
         <p:nvPr/>
       </p:nvGrpSpPr>
@@ -3907,7 +3907,7 @@
       </p:grpSpPr>
       <p:sp>
         <p:nvSpPr>
-          <p:cNvPr id="118" name="Google Shape;118;g76b15df6a0_0_209:notes"/>
+          <p:cNvPr id="122" name="Google Shape;122;g76b15df6a0_0_209:notes"/>
           <p:cNvSpPr/>
           <p:nvPr>
             <p:ph idx="2" type="sldImg"/>
@@ -3942,7 +3942,7 @@
       </p:sp>
       <p:sp>
         <p:nvSpPr>
-          <p:cNvPr id="119" name="Google Shape;119;g76b15df6a0_0_209:notes"/>
+          <p:cNvPr id="123" name="Google Shape;123;g76b15df6a0_0_209:notes"/>
           <p:cNvSpPr txBox="1"/>
           <p:nvPr>
             <p:ph idx="1" type="body"/>
@@ -3992,7 +3992,7 @@
   <p:cSld>
     <p:spTree>
       <p:nvGrpSpPr>
-        <p:cNvPr id="125" name="Shape 125"/>
+        <p:cNvPr id="129" name="Shape 129"/>
         <p:cNvGrpSpPr/>
         <p:nvPr/>
       </p:nvGrpSpPr>
@@ -4006,7 +4006,7 @@
       </p:grpSpPr>
       <p:sp>
         <p:nvSpPr>
-          <p:cNvPr id="126" name="Google Shape;126;g7d027be3d8_0_0:notes"/>
+          <p:cNvPr id="130" name="Google Shape;130;g7d027be3d8_0_0:notes"/>
           <p:cNvSpPr/>
           <p:nvPr>
             <p:ph idx="2" type="sldImg"/>
@@ -4041,7 +4041,7 @@
       </p:sp>
       <p:sp>
         <p:nvSpPr>
-          <p:cNvPr id="127" name="Google Shape;127;g7d027be3d8_0_0:notes"/>
+          <p:cNvPr id="131" name="Google Shape;131;g7d027be3d8_0_0:notes"/>
           <p:cNvSpPr txBox="1"/>
           <p:nvPr>
             <p:ph idx="1" type="body"/>
@@ -4091,7 +4091,7 @@
   <p:cSld>
     <p:spTree>
       <p:nvGrpSpPr>
-        <p:cNvPr id="135" name="Shape 135"/>
+        <p:cNvPr id="139" name="Shape 139"/>
         <p:cNvGrpSpPr/>
         <p:nvPr/>
       </p:nvGrpSpPr>
@@ -4105,7 +4105,7 @@
       </p:grpSpPr>
       <p:sp>
         <p:nvSpPr>
-          <p:cNvPr id="136" name="Google Shape;136;g7d027be3d8_0_11:notes"/>
+          <p:cNvPr id="140" name="Google Shape;140;g7d027be3d8_0_11:notes"/>
           <p:cNvSpPr/>
           <p:nvPr>
             <p:ph idx="2" type="sldImg"/>
@@ -4140,7 +4140,7 @@
       </p:sp>
       <p:sp>
         <p:nvSpPr>
-          <p:cNvPr id="137" name="Google Shape;137;g7d027be3d8_0_11:notes"/>
+          <p:cNvPr id="141" name="Google Shape;141;g7d027be3d8_0_11:notes"/>
           <p:cNvSpPr txBox="1"/>
           <p:nvPr>
             <p:ph idx="1" type="body"/>
@@ -9167,7 +9167,7 @@
   <p:cSld>
     <p:spTree>
       <p:nvGrpSpPr>
-        <p:cNvPr id="147" name="Shape 147"/>
+        <p:cNvPr id="151" name="Shape 151"/>
         <p:cNvGrpSpPr/>
         <p:nvPr/>
       </p:nvGrpSpPr>
@@ -9181,7 +9181,7 @@
       </p:grpSpPr>
       <p:sp>
         <p:nvSpPr>
-          <p:cNvPr id="148" name="Google Shape;148;p22"/>
+          <p:cNvPr id="152" name="Google Shape;152;p22"/>
           <p:cNvSpPr txBox="1"/>
           <p:nvPr>
             <p:ph type="title"/>
@@ -9232,7 +9232,7 @@
       </p:sp>
       <p:sp>
         <p:nvSpPr>
-          <p:cNvPr id="149" name="Google Shape;149;p22"/>
+          <p:cNvPr id="153" name="Google Shape;153;p22"/>
           <p:cNvSpPr txBox="1"/>
           <p:nvPr>
             <p:ph idx="12" type="sldNum"/>
@@ -9272,7 +9272,7 @@
       </p:sp>
       <p:sp>
         <p:nvSpPr>
-          <p:cNvPr id="150" name="Google Shape;150;p22"/>
+          <p:cNvPr id="154" name="Google Shape;154;p22"/>
           <p:cNvSpPr txBox="1"/>
           <p:nvPr/>
         </p:nvSpPr>
@@ -9326,7 +9326,7 @@
       </p:sp>
       <p:sp>
         <p:nvSpPr>
-          <p:cNvPr id="151" name="Google Shape;151;p22"/>
+          <p:cNvPr id="155" name="Google Shape;155;p22"/>
           <p:cNvSpPr txBox="1"/>
           <p:nvPr/>
         </p:nvSpPr>
@@ -9523,7 +9523,7 @@
       </p:sp>
       <p:pic>
         <p:nvPicPr>
-          <p:cNvPr id="152" name="Google Shape;152;p22"/>
+          <p:cNvPr id="156" name="Google Shape;156;p22"/>
           <p:cNvPicPr preferRelativeResize="0"/>
           <p:nvPr/>
         </p:nvPicPr>
@@ -9551,7 +9551,7 @@
       </p:pic>
       <p:sp>
         <p:nvSpPr>
-          <p:cNvPr id="153" name="Google Shape;153;p22"/>
+          <p:cNvPr id="157" name="Google Shape;157;p22"/>
           <p:cNvSpPr/>
           <p:nvPr/>
         </p:nvSpPr>
@@ -9614,7 +9614,7 @@
   <p:cSld>
     <p:spTree>
       <p:nvGrpSpPr>
-        <p:cNvPr id="157" name="Shape 157"/>
+        <p:cNvPr id="161" name="Shape 161"/>
         <p:cNvGrpSpPr/>
         <p:nvPr/>
       </p:nvGrpSpPr>
@@ -9628,7 +9628,7 @@
       </p:grpSpPr>
       <p:sp>
         <p:nvSpPr>
-          <p:cNvPr id="158" name="Google Shape;158;p23"/>
+          <p:cNvPr id="162" name="Google Shape;162;p23"/>
           <p:cNvSpPr txBox="1"/>
           <p:nvPr>
             <p:ph type="title"/>
@@ -9679,7 +9679,7 @@
       </p:sp>
       <p:sp>
         <p:nvSpPr>
-          <p:cNvPr id="159" name="Google Shape;159;p23"/>
+          <p:cNvPr id="163" name="Google Shape;163;p23"/>
           <p:cNvSpPr txBox="1"/>
           <p:nvPr>
             <p:ph idx="12" type="sldNum"/>
@@ -9719,7 +9719,7 @@
       </p:sp>
       <p:sp>
         <p:nvSpPr>
-          <p:cNvPr id="160" name="Google Shape;160;p23"/>
+          <p:cNvPr id="164" name="Google Shape;164;p23"/>
           <p:cNvSpPr txBox="1"/>
           <p:nvPr/>
         </p:nvSpPr>
@@ -9773,7 +9773,7 @@
       </p:sp>
       <p:sp>
         <p:nvSpPr>
-          <p:cNvPr id="161" name="Google Shape;161;p23"/>
+          <p:cNvPr id="165" name="Google Shape;165;p23"/>
           <p:cNvSpPr txBox="1"/>
           <p:nvPr/>
         </p:nvSpPr>
@@ -10022,7 +10022,7 @@
       </p:sp>
       <p:pic>
         <p:nvPicPr>
-          <p:cNvPr id="162" name="Google Shape;162;p23"/>
+          <p:cNvPr id="166" name="Google Shape;166;p23"/>
           <p:cNvPicPr preferRelativeResize="0"/>
           <p:nvPr/>
         </p:nvPicPr>
@@ -10050,7 +10050,7 @@
       </p:pic>
       <p:sp>
         <p:nvSpPr>
-          <p:cNvPr id="163" name="Google Shape;163;p23"/>
+          <p:cNvPr id="167" name="Google Shape;167;p23"/>
           <p:cNvSpPr/>
           <p:nvPr/>
         </p:nvSpPr>
@@ -10113,7 +10113,7 @@
   <p:cSld>
     <p:spTree>
       <p:nvGrpSpPr>
-        <p:cNvPr id="167" name="Shape 167"/>
+        <p:cNvPr id="171" name="Shape 171"/>
         <p:cNvGrpSpPr/>
         <p:nvPr/>
       </p:nvGrpSpPr>
@@ -10127,7 +10127,7 @@
       </p:grpSpPr>
       <p:sp>
         <p:nvSpPr>
-          <p:cNvPr id="168" name="Google Shape;168;p24"/>
+          <p:cNvPr id="172" name="Google Shape;172;p24"/>
           <p:cNvSpPr txBox="1"/>
           <p:nvPr>
             <p:ph type="title"/>
@@ -10178,7 +10178,7 @@
       </p:sp>
       <p:sp>
         <p:nvSpPr>
-          <p:cNvPr id="169" name="Google Shape;169;p24"/>
+          <p:cNvPr id="173" name="Google Shape;173;p24"/>
           <p:cNvSpPr txBox="1"/>
           <p:nvPr>
             <p:ph idx="12" type="sldNum"/>
@@ -10218,7 +10218,7 @@
       </p:sp>
       <p:sp>
         <p:nvSpPr>
-          <p:cNvPr id="170" name="Google Shape;170;p24"/>
+          <p:cNvPr id="174" name="Google Shape;174;p24"/>
           <p:cNvSpPr txBox="1"/>
           <p:nvPr/>
         </p:nvSpPr>
@@ -10264,7 +10264,7 @@
       </p:sp>
       <p:sp>
         <p:nvSpPr>
-          <p:cNvPr id="171" name="Google Shape;171;p24"/>
+          <p:cNvPr id="175" name="Google Shape;175;p24"/>
           <p:cNvSpPr txBox="1"/>
           <p:nvPr/>
         </p:nvSpPr>
@@ -10412,7 +10412,7 @@
       </p:sp>
       <p:pic>
         <p:nvPicPr>
-          <p:cNvPr id="172" name="Google Shape;172;p24"/>
+          <p:cNvPr id="176" name="Google Shape;176;p24"/>
           <p:cNvPicPr preferRelativeResize="0"/>
           <p:nvPr/>
         </p:nvPicPr>
@@ -10451,7 +10451,7 @@
   <p:cSld>
     <p:spTree>
       <p:nvGrpSpPr>
-        <p:cNvPr id="176" name="Shape 176"/>
+        <p:cNvPr id="180" name="Shape 180"/>
         <p:cNvGrpSpPr/>
         <p:nvPr/>
       </p:nvGrpSpPr>
@@ -10465,7 +10465,7 @@
       </p:grpSpPr>
       <p:sp>
         <p:nvSpPr>
-          <p:cNvPr id="177" name="Google Shape;177;p25"/>
+          <p:cNvPr id="181" name="Google Shape;181;p25"/>
           <p:cNvSpPr txBox="1"/>
           <p:nvPr>
             <p:ph type="title"/>
@@ -10516,7 +10516,7 @@
       </p:sp>
       <p:sp>
         <p:nvSpPr>
-          <p:cNvPr id="178" name="Google Shape;178;p25"/>
+          <p:cNvPr id="182" name="Google Shape;182;p25"/>
           <p:cNvSpPr txBox="1"/>
           <p:nvPr>
             <p:ph idx="12" type="sldNum"/>
@@ -10556,7 +10556,7 @@
       </p:sp>
       <p:sp>
         <p:nvSpPr>
-          <p:cNvPr id="179" name="Google Shape;179;p25"/>
+          <p:cNvPr id="183" name="Google Shape;183;p25"/>
           <p:cNvSpPr txBox="1"/>
           <p:nvPr/>
         </p:nvSpPr>
@@ -10602,7 +10602,7 @@
       </p:sp>
       <p:sp>
         <p:nvSpPr>
-          <p:cNvPr id="180" name="Google Shape;180;p25"/>
+          <p:cNvPr id="184" name="Google Shape;184;p25"/>
           <p:cNvSpPr txBox="1"/>
           <p:nvPr/>
         </p:nvSpPr>
@@ -10795,7 +10795,7 @@
       </p:sp>
       <p:pic>
         <p:nvPicPr>
-          <p:cNvPr id="181" name="Google Shape;181;p25"/>
+          <p:cNvPr id="185" name="Google Shape;185;p25"/>
           <p:cNvPicPr preferRelativeResize="0"/>
           <p:nvPr/>
         </p:nvPicPr>
@@ -10834,7 +10834,7 @@
   <p:cSld>
     <p:spTree>
       <p:nvGrpSpPr>
-        <p:cNvPr id="185" name="Shape 185"/>
+        <p:cNvPr id="189" name="Shape 189"/>
         <p:cNvGrpSpPr/>
         <p:nvPr/>
       </p:nvGrpSpPr>
@@ -10848,7 +10848,7 @@
       </p:grpSpPr>
       <p:sp>
         <p:nvSpPr>
-          <p:cNvPr id="186" name="Google Shape;186;p26"/>
+          <p:cNvPr id="190" name="Google Shape;190;p26"/>
           <p:cNvSpPr txBox="1"/>
           <p:nvPr>
             <p:ph type="title"/>
@@ -10899,7 +10899,7 @@
       </p:sp>
       <p:sp>
         <p:nvSpPr>
-          <p:cNvPr id="187" name="Google Shape;187;p26"/>
+          <p:cNvPr id="191" name="Google Shape;191;p26"/>
           <p:cNvSpPr txBox="1"/>
           <p:nvPr>
             <p:ph idx="12" type="sldNum"/>
@@ -10939,7 +10939,7 @@
       </p:sp>
       <p:sp>
         <p:nvSpPr>
-          <p:cNvPr id="188" name="Google Shape;188;p26"/>
+          <p:cNvPr id="192" name="Google Shape;192;p26"/>
           <p:cNvSpPr txBox="1"/>
           <p:nvPr/>
         </p:nvSpPr>
@@ -10985,7 +10985,7 @@
       </p:sp>
       <p:sp>
         <p:nvSpPr>
-          <p:cNvPr id="189" name="Google Shape;189;p26"/>
+          <p:cNvPr id="193" name="Google Shape;193;p26"/>
           <p:cNvSpPr txBox="1"/>
           <p:nvPr/>
         </p:nvSpPr>
@@ -11208,7 +11208,7 @@
       </p:sp>
       <p:graphicFrame>
         <p:nvGraphicFramePr>
-          <p:cNvPr id="190" name="Google Shape;190;p26"/>
+          <p:cNvPr id="194" name="Google Shape;194;p26"/>
           <p:cNvGraphicFramePr/>
           <p:nvPr/>
         </p:nvGraphicFramePr>
@@ -11221,7 +11221,7 @@
             <a:tbl>
               <a:tblPr>
                 <a:noFill/>
-                <a:tableStyleId>{55A95973-22DE-46CC-A186-26C7C0E670E9}</a:tableStyleId>
+                <a:tableStyleId>{88D0706B-3DB2-4006-9E81-FA5A0B239507}</a:tableStyleId>
               </a:tblPr>
               <a:tblGrid>
                 <a:gridCol w="8288550"/>
@@ -13017,7 +13017,7 @@
   <p:cSld>
     <p:spTree>
       <p:nvGrpSpPr>
-        <p:cNvPr id="194" name="Shape 194"/>
+        <p:cNvPr id="198" name="Shape 198"/>
         <p:cNvGrpSpPr/>
         <p:nvPr/>
       </p:nvGrpSpPr>
@@ -13031,7 +13031,7 @@
       </p:grpSpPr>
       <p:sp>
         <p:nvSpPr>
-          <p:cNvPr id="195" name="Google Shape;195;p27"/>
+          <p:cNvPr id="199" name="Google Shape;199;p27"/>
           <p:cNvSpPr txBox="1"/>
           <p:nvPr>
             <p:ph type="title"/>
@@ -13082,7 +13082,7 @@
       </p:sp>
       <p:sp>
         <p:nvSpPr>
-          <p:cNvPr id="196" name="Google Shape;196;p27"/>
+          <p:cNvPr id="200" name="Google Shape;200;p27"/>
           <p:cNvSpPr txBox="1"/>
           <p:nvPr>
             <p:ph idx="12" type="sldNum"/>
@@ -13122,7 +13122,7 @@
       </p:sp>
       <p:sp>
         <p:nvSpPr>
-          <p:cNvPr id="197" name="Google Shape;197;p27"/>
+          <p:cNvPr id="201" name="Google Shape;201;p27"/>
           <p:cNvSpPr txBox="1"/>
           <p:nvPr/>
         </p:nvSpPr>
@@ -13168,7 +13168,7 @@
       </p:sp>
       <p:sp>
         <p:nvSpPr>
-          <p:cNvPr id="198" name="Google Shape;198;p27"/>
+          <p:cNvPr id="202" name="Google Shape;202;p27"/>
           <p:cNvSpPr txBox="1"/>
           <p:nvPr/>
         </p:nvSpPr>
@@ -13429,7 +13429,7 @@
       </p:sp>
       <p:graphicFrame>
         <p:nvGraphicFramePr>
-          <p:cNvPr id="199" name="Google Shape;199;p27"/>
+          <p:cNvPr id="203" name="Google Shape;203;p27"/>
           <p:cNvGraphicFramePr/>
           <p:nvPr/>
         </p:nvGraphicFramePr>
@@ -13442,7 +13442,7 @@
             <a:tbl>
               <a:tblPr>
                 <a:noFill/>
-                <a:tableStyleId>{55A95973-22DE-46CC-A186-26C7C0E670E9}</a:tableStyleId>
+                <a:tableStyleId>{88D0706B-3DB2-4006-9E81-FA5A0B239507}</a:tableStyleId>
               </a:tblPr>
               <a:tblGrid>
                 <a:gridCol w="5168525"/>
@@ -14608,7 +14608,7 @@
       </p:graphicFrame>
       <p:pic>
         <p:nvPicPr>
-          <p:cNvPr id="200" name="Google Shape;200;p27"/>
+          <p:cNvPr id="204" name="Google Shape;204;p27"/>
           <p:cNvPicPr preferRelativeResize="0"/>
           <p:nvPr/>
         </p:nvPicPr>
@@ -14647,7 +14647,7 @@
   <p:cSld>
     <p:spTree>
       <p:nvGrpSpPr>
-        <p:cNvPr id="204" name="Shape 204"/>
+        <p:cNvPr id="208" name="Shape 208"/>
         <p:cNvGrpSpPr/>
         <p:nvPr/>
       </p:nvGrpSpPr>
@@ -14661,7 +14661,7 @@
       </p:grpSpPr>
       <p:sp>
         <p:nvSpPr>
-          <p:cNvPr id="205" name="Google Shape;205;p28"/>
+          <p:cNvPr id="209" name="Google Shape;209;p28"/>
           <p:cNvSpPr txBox="1"/>
           <p:nvPr>
             <p:ph type="title"/>
@@ -14712,7 +14712,7 @@
       </p:sp>
       <p:sp>
         <p:nvSpPr>
-          <p:cNvPr id="206" name="Google Shape;206;p28"/>
+          <p:cNvPr id="210" name="Google Shape;210;p28"/>
           <p:cNvSpPr txBox="1"/>
           <p:nvPr>
             <p:ph idx="12" type="sldNum"/>
@@ -14752,7 +14752,7 @@
       </p:sp>
       <p:sp>
         <p:nvSpPr>
-          <p:cNvPr id="207" name="Google Shape;207;p28"/>
+          <p:cNvPr id="211" name="Google Shape;211;p28"/>
           <p:cNvSpPr txBox="1"/>
           <p:nvPr/>
         </p:nvSpPr>
@@ -14798,7 +14798,7 @@
       </p:sp>
       <p:sp>
         <p:nvSpPr>
-          <p:cNvPr id="208" name="Google Shape;208;p28"/>
+          <p:cNvPr id="212" name="Google Shape;212;p28"/>
           <p:cNvSpPr txBox="1"/>
           <p:nvPr/>
         </p:nvSpPr>
@@ -14839,7 +14839,7 @@
                   <a:schemeClr val="dk1"/>
                 </a:solidFill>
               </a:rPr>
-              <a:t>Subsequent state-of-the-art (SOTA) models, the 7x7 filter size was replaced with a smaller 5x5 filter, which had lower computational complexity. The common convention today, is the 5x5 filter is refactored into two 3x3 filters, which have the same representational power with lower computational complexity.</a:t>
+              <a:t>Subsequent state-of-the-art (SOTA) models, the 7x7 filter size was replaced with a smaller 5x5 filter, which had lower computational complexity. The common convention today, is the 5x5 filter is refactored into two 3x3 filters, which have the same representational power (equivalence) with lower computational complexity.</a:t>
             </a:r>
             <a:endParaRPr sz="1200">
               <a:solidFill>
@@ -15049,7 +15049,7 @@
       </p:sp>
       <p:graphicFrame>
         <p:nvGraphicFramePr>
-          <p:cNvPr id="209" name="Google Shape;209;p28"/>
+          <p:cNvPr id="213" name="Google Shape;213;p28"/>
           <p:cNvGraphicFramePr/>
           <p:nvPr/>
         </p:nvGraphicFramePr>
@@ -15062,7 +15062,7 @@
             <a:tbl>
               <a:tblPr>
                 <a:noFill/>
-                <a:tableStyleId>{55A95973-22DE-46CC-A186-26C7C0E670E9}</a:tableStyleId>
+                <a:tableStyleId>{88D0706B-3DB2-4006-9E81-FA5A0B239507}</a:tableStyleId>
               </a:tblPr>
               <a:tblGrid>
                 <a:gridCol w="5168525"/>
@@ -16585,7 +16585,7 @@
       </p:graphicFrame>
       <p:pic>
         <p:nvPicPr>
-          <p:cNvPr id="210" name="Google Shape;210;p28"/>
+          <p:cNvPr id="214" name="Google Shape;214;p28"/>
           <p:cNvPicPr preferRelativeResize="0"/>
           <p:nvPr/>
         </p:nvPicPr>
@@ -16624,7 +16624,7 @@
   <p:cSld>
     <p:spTree>
       <p:nvGrpSpPr>
-        <p:cNvPr id="214" name="Shape 214"/>
+        <p:cNvPr id="218" name="Shape 218"/>
         <p:cNvGrpSpPr/>
         <p:nvPr/>
       </p:nvGrpSpPr>
@@ -16638,7 +16638,7 @@
       </p:grpSpPr>
       <p:sp>
         <p:nvSpPr>
-          <p:cNvPr id="215" name="Google Shape;215;p29"/>
+          <p:cNvPr id="219" name="Google Shape;219;p29"/>
           <p:cNvSpPr txBox="1"/>
           <p:nvPr>
             <p:ph type="title"/>
@@ -16689,7 +16689,7 @@
       </p:sp>
       <p:sp>
         <p:nvSpPr>
-          <p:cNvPr id="216" name="Google Shape;216;p29"/>
+          <p:cNvPr id="220" name="Google Shape;220;p29"/>
           <p:cNvSpPr txBox="1"/>
           <p:nvPr>
             <p:ph idx="12" type="sldNum"/>
@@ -16729,7 +16729,7 @@
       </p:sp>
       <p:sp>
         <p:nvSpPr>
-          <p:cNvPr id="217" name="Google Shape;217;p29"/>
+          <p:cNvPr id="221" name="Google Shape;221;p29"/>
           <p:cNvSpPr txBox="1"/>
           <p:nvPr/>
         </p:nvSpPr>
@@ -16775,7 +16775,7 @@
       </p:sp>
       <p:sp>
         <p:nvSpPr>
-          <p:cNvPr id="218" name="Google Shape;218;p29"/>
+          <p:cNvPr id="222" name="Google Shape;222;p29"/>
           <p:cNvSpPr txBox="1"/>
           <p:nvPr/>
         </p:nvSpPr>
@@ -17197,7 +17197,7 @@
       </p:sp>
       <p:sp>
         <p:nvSpPr>
-          <p:cNvPr id="219" name="Google Shape;219;p29"/>
+          <p:cNvPr id="223" name="Google Shape;223;p29"/>
           <p:cNvSpPr txBox="1"/>
           <p:nvPr/>
         </p:nvSpPr>
@@ -17306,7 +17306,7 @@
   <p:cSld>
     <p:spTree>
       <p:nvGrpSpPr>
-        <p:cNvPr id="223" name="Shape 223"/>
+        <p:cNvPr id="227" name="Shape 227"/>
         <p:cNvGrpSpPr/>
         <p:nvPr/>
       </p:nvGrpSpPr>
@@ -17320,7 +17320,7 @@
       </p:grpSpPr>
       <p:sp>
         <p:nvSpPr>
-          <p:cNvPr id="224" name="Google Shape;224;p30"/>
+          <p:cNvPr id="228" name="Google Shape;228;p30"/>
           <p:cNvSpPr txBox="1"/>
           <p:nvPr>
             <p:ph type="title"/>
@@ -17371,7 +17371,7 @@
       </p:sp>
       <p:sp>
         <p:nvSpPr>
-          <p:cNvPr id="225" name="Google Shape;225;p30"/>
+          <p:cNvPr id="229" name="Google Shape;229;p30"/>
           <p:cNvSpPr txBox="1"/>
           <p:nvPr>
             <p:ph idx="12" type="sldNum"/>
@@ -17411,7 +17411,7 @@
       </p:sp>
       <p:sp>
         <p:nvSpPr>
-          <p:cNvPr id="226" name="Google Shape;226;p30"/>
+          <p:cNvPr id="230" name="Google Shape;230;p30"/>
           <p:cNvSpPr txBox="1"/>
           <p:nvPr/>
         </p:nvSpPr>
@@ -17457,7 +17457,7 @@
       </p:sp>
       <p:sp>
         <p:nvSpPr>
-          <p:cNvPr id="227" name="Google Shape;227;p30"/>
+          <p:cNvPr id="231" name="Google Shape;231;p30"/>
           <p:cNvSpPr txBox="1"/>
           <p:nvPr/>
         </p:nvSpPr>
@@ -18026,7 +18026,7 @@
   <p:cSld>
     <p:spTree>
       <p:nvGrpSpPr>
-        <p:cNvPr id="231" name="Shape 231"/>
+        <p:cNvPr id="235" name="Shape 235"/>
         <p:cNvGrpSpPr/>
         <p:nvPr/>
       </p:nvGrpSpPr>
@@ -18040,7 +18040,7 @@
       </p:grpSpPr>
       <p:sp>
         <p:nvSpPr>
-          <p:cNvPr id="232" name="Google Shape;232;p31"/>
+          <p:cNvPr id="236" name="Google Shape;236;p31"/>
           <p:cNvSpPr txBox="1"/>
           <p:nvPr>
             <p:ph type="title"/>
@@ -18091,7 +18091,7 @@
       </p:sp>
       <p:sp>
         <p:nvSpPr>
-          <p:cNvPr id="233" name="Google Shape;233;p31"/>
+          <p:cNvPr id="237" name="Google Shape;237;p31"/>
           <p:cNvSpPr txBox="1"/>
           <p:nvPr>
             <p:ph idx="12" type="sldNum"/>
@@ -18131,7 +18131,7 @@
       </p:sp>
       <p:sp>
         <p:nvSpPr>
-          <p:cNvPr id="234" name="Google Shape;234;p31"/>
+          <p:cNvPr id="238" name="Google Shape;238;p31"/>
           <p:cNvSpPr txBox="1"/>
           <p:nvPr/>
         </p:nvSpPr>
@@ -18177,7 +18177,7 @@
       </p:sp>
       <p:sp>
         <p:nvSpPr>
-          <p:cNvPr id="235" name="Google Shape;235;p31"/>
+          <p:cNvPr id="239" name="Google Shape;239;p31"/>
           <p:cNvSpPr txBox="1"/>
           <p:nvPr/>
         </p:nvSpPr>
@@ -18532,7 +18532,7 @@
       </p:sp>
       <p:graphicFrame>
         <p:nvGraphicFramePr>
-          <p:cNvPr id="236" name="Google Shape;236;p31"/>
+          <p:cNvPr id="240" name="Google Shape;240;p31"/>
           <p:cNvGraphicFramePr/>
           <p:nvPr/>
         </p:nvGraphicFramePr>
@@ -18545,7 +18545,7 @@
             <a:tbl>
               <a:tblPr>
                 <a:noFill/>
-                <a:tableStyleId>{55A95973-22DE-46CC-A186-26C7C0E670E9}</a:tableStyleId>
+                <a:tableStyleId>{88D0706B-3DB2-4006-9E81-FA5A0B239507}</a:tableStyleId>
               </a:tblPr>
               <a:tblGrid>
                 <a:gridCol w="5168525"/>
@@ -19807,7 +19807,7 @@
   <p:cSld>
     <p:spTree>
       <p:nvGrpSpPr>
-        <p:cNvPr id="240" name="Shape 240"/>
+        <p:cNvPr id="244" name="Shape 244"/>
         <p:cNvGrpSpPr/>
         <p:nvPr/>
       </p:nvGrpSpPr>
@@ -19821,7 +19821,7 @@
       </p:grpSpPr>
       <p:sp>
         <p:nvSpPr>
-          <p:cNvPr id="241" name="Google Shape;241;p32"/>
+          <p:cNvPr id="245" name="Google Shape;245;p32"/>
           <p:cNvSpPr txBox="1"/>
           <p:nvPr>
             <p:ph type="title"/>
@@ -19872,7 +19872,7 @@
       </p:sp>
       <p:sp>
         <p:nvSpPr>
-          <p:cNvPr id="242" name="Google Shape;242;p32"/>
+          <p:cNvPr id="246" name="Google Shape;246;p32"/>
           <p:cNvSpPr txBox="1"/>
           <p:nvPr>
             <p:ph idx="12" type="sldNum"/>
@@ -19912,7 +19912,7 @@
       </p:sp>
       <p:sp>
         <p:nvSpPr>
-          <p:cNvPr id="243" name="Google Shape;243;p32"/>
+          <p:cNvPr id="247" name="Google Shape;247;p32"/>
           <p:cNvSpPr txBox="1"/>
           <p:nvPr/>
         </p:nvSpPr>
@@ -19958,7 +19958,7 @@
       </p:sp>
       <p:sp>
         <p:nvSpPr>
-          <p:cNvPr id="244" name="Google Shape;244;p32"/>
+          <p:cNvPr id="248" name="Google Shape;248;p32"/>
           <p:cNvSpPr txBox="1"/>
           <p:nvPr/>
         </p:nvSpPr>
@@ -20705,7 +20705,7 @@
   <p:cSld>
     <p:spTree>
       <p:nvGrpSpPr>
-        <p:cNvPr id="248" name="Shape 248"/>
+        <p:cNvPr id="252" name="Shape 252"/>
         <p:cNvGrpSpPr/>
         <p:nvPr/>
       </p:nvGrpSpPr>
@@ -20719,7 +20719,7 @@
       </p:grpSpPr>
       <p:sp>
         <p:nvSpPr>
-          <p:cNvPr id="249" name="Google Shape;249;p33"/>
+          <p:cNvPr id="253" name="Google Shape;253;p33"/>
           <p:cNvSpPr txBox="1"/>
           <p:nvPr>
             <p:ph type="title"/>
@@ -20770,7 +20770,7 @@
       </p:sp>
       <p:sp>
         <p:nvSpPr>
-          <p:cNvPr id="250" name="Google Shape;250;p33"/>
+          <p:cNvPr id="254" name="Google Shape;254;p33"/>
           <p:cNvSpPr txBox="1"/>
           <p:nvPr>
             <p:ph idx="12" type="sldNum"/>
@@ -20810,7 +20810,7 @@
       </p:sp>
       <p:sp>
         <p:nvSpPr>
-          <p:cNvPr id="251" name="Google Shape;251;p33"/>
+          <p:cNvPr id="255" name="Google Shape;255;p33"/>
           <p:cNvSpPr txBox="1"/>
           <p:nvPr/>
         </p:nvSpPr>
@@ -20856,7 +20856,7 @@
       </p:sp>
       <p:sp>
         <p:nvSpPr>
-          <p:cNvPr id="252" name="Google Shape;252;p33"/>
+          <p:cNvPr id="256" name="Google Shape;256;p33"/>
           <p:cNvSpPr txBox="1"/>
           <p:nvPr/>
         </p:nvSpPr>
@@ -21212,7 +21212,7 @@
       </p:sp>
       <p:graphicFrame>
         <p:nvGraphicFramePr>
-          <p:cNvPr id="253" name="Google Shape;253;p33"/>
+          <p:cNvPr id="257" name="Google Shape;257;p33"/>
           <p:cNvGraphicFramePr/>
           <p:nvPr/>
         </p:nvGraphicFramePr>
@@ -21225,7 +21225,7 @@
             <a:tbl>
               <a:tblPr>
                 <a:noFill/>
-                <a:tableStyleId>{55A95973-22DE-46CC-A186-26C7C0E670E9}</a:tableStyleId>
+                <a:tableStyleId>{88D0706B-3DB2-4006-9E81-FA5A0B239507}</a:tableStyleId>
               </a:tblPr>
               <a:tblGrid>
                 <a:gridCol w="3539375"/>
@@ -22457,7 +22457,7 @@
       </p:graphicFrame>
       <p:graphicFrame>
         <p:nvGraphicFramePr>
-          <p:cNvPr id="254" name="Google Shape;254;p33"/>
+          <p:cNvPr id="258" name="Google Shape;258;p33"/>
           <p:cNvGraphicFramePr/>
           <p:nvPr/>
         </p:nvGraphicFramePr>
@@ -22470,7 +22470,7 @@
             <a:tbl>
               <a:tblPr>
                 <a:noFill/>
-                <a:tableStyleId>{55A95973-22DE-46CC-A186-26C7C0E670E9}</a:tableStyleId>
+                <a:tableStyleId>{88D0706B-3DB2-4006-9E81-FA5A0B239507}</a:tableStyleId>
               </a:tblPr>
               <a:tblGrid>
                 <a:gridCol w="4628350"/>
@@ -23072,7 +23072,7 @@
                           <a:cs typeface="Consolas"/>
                           <a:sym typeface="Consolas"/>
                         </a:rPr>
-                        <a:t> </a:t>
+                        <a:t> [ </a:t>
                       </a:r>
                       <a:r>
                         <a:rPr lang="en" sz="900">
@@ -23153,7 +23153,7 @@
                           <a:cs typeface="Consolas"/>
                           <a:sym typeface="Consolas"/>
                         </a:rPr>
-                        <a:t>},</a:t>
+                        <a:t>} ],</a:t>
                       </a:r>
                       <a:r>
                         <a:rPr lang="en" sz="900">
@@ -23200,7 +23200,7 @@
                           <a:cs typeface="Consolas"/>
                           <a:sym typeface="Consolas"/>
                         </a:rPr>
-                        <a:t>                 </a:t>
+                        <a:t>                 [ </a:t>
                       </a:r>
                       <a:r>
                         <a:rPr lang="en" sz="900">
@@ -23248,7 +23248,7 @@
                           <a:cs typeface="Consolas"/>
                           <a:sym typeface="Consolas"/>
                         </a:rPr>
-                        <a:t> </a:t>
+                        <a:t> ] </a:t>
                       </a:r>
                       <a:r>
                         <a:rPr lang="en" sz="900">
@@ -23297,7 +23297,7 @@
   <p:cSld>
     <p:spTree>
       <p:nvGrpSpPr>
-        <p:cNvPr id="258" name="Shape 258"/>
+        <p:cNvPr id="262" name="Shape 262"/>
         <p:cNvGrpSpPr/>
         <p:nvPr/>
       </p:nvGrpSpPr>
@@ -23311,7 +23311,7 @@
       </p:grpSpPr>
       <p:sp>
         <p:nvSpPr>
-          <p:cNvPr id="259" name="Google Shape;259;p34"/>
+          <p:cNvPr id="263" name="Google Shape;263;p34"/>
           <p:cNvSpPr txBox="1"/>
           <p:nvPr>
             <p:ph type="title"/>
@@ -23362,7 +23362,7 @@
       </p:sp>
       <p:sp>
         <p:nvSpPr>
-          <p:cNvPr id="260" name="Google Shape;260;p34"/>
+          <p:cNvPr id="264" name="Google Shape;264;p34"/>
           <p:cNvSpPr txBox="1"/>
           <p:nvPr>
             <p:ph idx="12" type="sldNum"/>
@@ -23402,7 +23402,7 @@
       </p:sp>
       <p:sp>
         <p:nvSpPr>
-          <p:cNvPr id="261" name="Google Shape;261;p34"/>
+          <p:cNvPr id="265" name="Google Shape;265;p34"/>
           <p:cNvSpPr txBox="1"/>
           <p:nvPr/>
         </p:nvSpPr>
@@ -23448,7 +23448,7 @@
       </p:sp>
       <p:sp>
         <p:nvSpPr>
-          <p:cNvPr id="262" name="Google Shape;262;p34"/>
+          <p:cNvPr id="266" name="Google Shape;266;p34"/>
           <p:cNvSpPr txBox="1"/>
           <p:nvPr/>
         </p:nvSpPr>
@@ -23610,7 +23610,7 @@
       </p:sp>
       <p:pic>
         <p:nvPicPr>
-          <p:cNvPr id="263" name="Google Shape;263;p34"/>
+          <p:cNvPr id="267" name="Google Shape;267;p34"/>
           <p:cNvPicPr preferRelativeResize="0"/>
           <p:nvPr/>
         </p:nvPicPr>
@@ -23649,7 +23649,7 @@
   <p:cSld>
     <p:spTree>
       <p:nvGrpSpPr>
-        <p:cNvPr id="267" name="Shape 267"/>
+        <p:cNvPr id="271" name="Shape 271"/>
         <p:cNvGrpSpPr/>
         <p:nvPr/>
       </p:nvGrpSpPr>
@@ -23663,7 +23663,7 @@
       </p:grpSpPr>
       <p:sp>
         <p:nvSpPr>
-          <p:cNvPr id="268" name="Google Shape;268;p35"/>
+          <p:cNvPr id="272" name="Google Shape;272;p35"/>
           <p:cNvSpPr txBox="1"/>
           <p:nvPr>
             <p:ph type="title"/>
@@ -23714,7 +23714,7 @@
       </p:sp>
       <p:sp>
         <p:nvSpPr>
-          <p:cNvPr id="269" name="Google Shape;269;p35"/>
+          <p:cNvPr id="273" name="Google Shape;273;p35"/>
           <p:cNvSpPr txBox="1"/>
           <p:nvPr>
             <p:ph idx="12" type="sldNum"/>
@@ -23754,7 +23754,7 @@
       </p:sp>
       <p:sp>
         <p:nvSpPr>
-          <p:cNvPr id="270" name="Google Shape;270;p35"/>
+          <p:cNvPr id="274" name="Google Shape;274;p35"/>
           <p:cNvSpPr txBox="1"/>
           <p:nvPr/>
         </p:nvSpPr>
@@ -23800,7 +23800,7 @@
       </p:sp>
       <p:graphicFrame>
         <p:nvGraphicFramePr>
-          <p:cNvPr id="271" name="Google Shape;271;p35"/>
+          <p:cNvPr id="275" name="Google Shape;275;p35"/>
           <p:cNvGraphicFramePr/>
           <p:nvPr/>
         </p:nvGraphicFramePr>
@@ -23813,7 +23813,7 @@
             <a:tbl>
               <a:tblPr>
                 <a:noFill/>
-                <a:tableStyleId>{55A95973-22DE-46CC-A186-26C7C0E670E9}</a:tableStyleId>
+                <a:tableStyleId>{88D0706B-3DB2-4006-9E81-FA5A0B239507}</a:tableStyleId>
               </a:tblPr>
               <a:tblGrid>
                 <a:gridCol w="3617125"/>
@@ -25072,7 +25072,7 @@
       </p:graphicFrame>
       <p:graphicFrame>
         <p:nvGraphicFramePr>
-          <p:cNvPr id="272" name="Google Shape;272;p35"/>
+          <p:cNvPr id="276" name="Google Shape;276;p35"/>
           <p:cNvGraphicFramePr/>
           <p:nvPr/>
         </p:nvGraphicFramePr>
@@ -25085,7 +25085,7 @@
             <a:tbl>
               <a:tblPr>
                 <a:noFill/>
-                <a:tableStyleId>{55A95973-22DE-46CC-A186-26C7C0E670E9}</a:tableStyleId>
+                <a:tableStyleId>{88D0706B-3DB2-4006-9E81-FA5A0B239507}</a:tableStyleId>
               </a:tblPr>
               <a:tblGrid>
                 <a:gridCol w="4786950"/>
@@ -26368,7 +26368,7 @@
   <p:cSld>
     <p:spTree>
       <p:nvGrpSpPr>
-        <p:cNvPr id="276" name="Shape 276"/>
+        <p:cNvPr id="280" name="Shape 280"/>
         <p:cNvGrpSpPr/>
         <p:nvPr/>
       </p:nvGrpSpPr>
@@ -26382,7 +26382,7 @@
       </p:grpSpPr>
       <p:sp>
         <p:nvSpPr>
-          <p:cNvPr id="277" name="Google Shape;277;p36"/>
+          <p:cNvPr id="281" name="Google Shape;281;p36"/>
           <p:cNvSpPr txBox="1"/>
           <p:nvPr>
             <p:ph type="title"/>
@@ -26433,7 +26433,7 @@
       </p:sp>
       <p:sp>
         <p:nvSpPr>
-          <p:cNvPr id="278" name="Google Shape;278;p36"/>
+          <p:cNvPr id="282" name="Google Shape;282;p36"/>
           <p:cNvSpPr txBox="1"/>
           <p:nvPr>
             <p:ph idx="12" type="sldNum"/>
@@ -26473,7 +26473,7 @@
       </p:sp>
       <p:sp>
         <p:nvSpPr>
-          <p:cNvPr id="279" name="Google Shape;279;p36"/>
+          <p:cNvPr id="283" name="Google Shape;283;p36"/>
           <p:cNvSpPr txBox="1"/>
           <p:nvPr/>
         </p:nvSpPr>
@@ -26519,7 +26519,7 @@
       </p:sp>
       <p:sp>
         <p:nvSpPr>
-          <p:cNvPr id="280" name="Google Shape;280;p36"/>
+          <p:cNvPr id="284" name="Google Shape;284;p36"/>
           <p:cNvSpPr txBox="1"/>
           <p:nvPr/>
         </p:nvSpPr>
@@ -26706,7 +26706,7 @@
       </p:sp>
       <p:pic>
         <p:nvPicPr>
-          <p:cNvPr id="281" name="Google Shape;281;p36"/>
+          <p:cNvPr id="285" name="Google Shape;285;p36"/>
           <p:cNvPicPr preferRelativeResize="0"/>
           <p:nvPr/>
         </p:nvPicPr>
@@ -26745,7 +26745,7 @@
   <p:cSld>
     <p:spTree>
       <p:nvGrpSpPr>
-        <p:cNvPr id="285" name="Shape 285"/>
+        <p:cNvPr id="289" name="Shape 289"/>
         <p:cNvGrpSpPr/>
         <p:nvPr/>
       </p:nvGrpSpPr>
@@ -26759,7 +26759,7 @@
       </p:grpSpPr>
       <p:sp>
         <p:nvSpPr>
-          <p:cNvPr id="286" name="Google Shape;286;p37"/>
+          <p:cNvPr id="290" name="Google Shape;290;p37"/>
           <p:cNvSpPr txBox="1"/>
           <p:nvPr>
             <p:ph type="title"/>
@@ -26810,7 +26810,7 @@
       </p:sp>
       <p:sp>
         <p:nvSpPr>
-          <p:cNvPr id="287" name="Google Shape;287;p37"/>
+          <p:cNvPr id="291" name="Google Shape;291;p37"/>
           <p:cNvSpPr txBox="1"/>
           <p:nvPr>
             <p:ph idx="12" type="sldNum"/>
@@ -26850,7 +26850,7 @@
       </p:sp>
       <p:sp>
         <p:nvSpPr>
-          <p:cNvPr id="288" name="Google Shape;288;p37"/>
+          <p:cNvPr id="292" name="Google Shape;292;p37"/>
           <p:cNvSpPr txBox="1"/>
           <p:nvPr/>
         </p:nvSpPr>
@@ -26896,7 +26896,7 @@
       </p:sp>
       <p:sp>
         <p:nvSpPr>
-          <p:cNvPr id="289" name="Google Shape;289;p37"/>
+          <p:cNvPr id="293" name="Google Shape;293;p37"/>
           <p:cNvSpPr txBox="1"/>
           <p:nvPr/>
         </p:nvSpPr>
@@ -27264,7 +27264,7 @@
   <p:cSld>
     <p:spTree>
       <p:nvGrpSpPr>
-        <p:cNvPr id="293" name="Shape 293"/>
+        <p:cNvPr id="297" name="Shape 297"/>
         <p:cNvGrpSpPr/>
         <p:nvPr/>
       </p:nvGrpSpPr>
@@ -27278,7 +27278,7 @@
       </p:grpSpPr>
       <p:sp>
         <p:nvSpPr>
-          <p:cNvPr id="294" name="Google Shape;294;p38"/>
+          <p:cNvPr id="298" name="Google Shape;298;p38"/>
           <p:cNvSpPr txBox="1"/>
           <p:nvPr>
             <p:ph type="title"/>
@@ -27329,7 +27329,7 @@
       </p:sp>
       <p:sp>
         <p:nvSpPr>
-          <p:cNvPr id="295" name="Google Shape;295;p38"/>
+          <p:cNvPr id="299" name="Google Shape;299;p38"/>
           <p:cNvSpPr txBox="1"/>
           <p:nvPr>
             <p:ph idx="12" type="sldNum"/>
@@ -27369,7 +27369,7 @@
       </p:sp>
       <p:sp>
         <p:nvSpPr>
-          <p:cNvPr id="296" name="Google Shape;296;p38"/>
+          <p:cNvPr id="300" name="Google Shape;300;p38"/>
           <p:cNvSpPr txBox="1"/>
           <p:nvPr/>
         </p:nvSpPr>
@@ -27415,7 +27415,7 @@
       </p:sp>
       <p:graphicFrame>
         <p:nvGraphicFramePr>
-          <p:cNvPr id="297" name="Google Shape;297;p38"/>
+          <p:cNvPr id="301" name="Google Shape;301;p38"/>
           <p:cNvGraphicFramePr/>
           <p:nvPr/>
         </p:nvGraphicFramePr>
@@ -27428,7 +27428,7 @@
             <a:tbl>
               <a:tblPr>
                 <a:noFill/>
-                <a:tableStyleId>{55A95973-22DE-46CC-A186-26C7C0E670E9}</a:tableStyleId>
+                <a:tableStyleId>{88D0706B-3DB2-4006-9E81-FA5A0B239507}</a:tableStyleId>
               </a:tblPr>
               <a:tblGrid>
                 <a:gridCol w="3885050"/>
@@ -28691,7 +28691,7 @@
       </p:graphicFrame>
       <p:graphicFrame>
         <p:nvGraphicFramePr>
-          <p:cNvPr id="298" name="Google Shape;298;p38"/>
+          <p:cNvPr id="302" name="Google Shape;302;p38"/>
           <p:cNvGraphicFramePr/>
           <p:nvPr/>
         </p:nvGraphicFramePr>
@@ -28704,7 +28704,7 @@
             <a:tbl>
               <a:tblPr>
                 <a:noFill/>
-                <a:tableStyleId>{55A95973-22DE-46CC-A186-26C7C0E670E9}</a:tableStyleId>
+                <a:tableStyleId>{88D0706B-3DB2-4006-9E81-FA5A0B239507}</a:tableStyleId>
               </a:tblPr>
               <a:tblGrid>
                 <a:gridCol w="4605450"/>
@@ -30129,7 +30129,7 @@
   <p:cSld>
     <p:spTree>
       <p:nvGrpSpPr>
-        <p:cNvPr id="302" name="Shape 302"/>
+        <p:cNvPr id="306" name="Shape 306"/>
         <p:cNvGrpSpPr/>
         <p:nvPr/>
       </p:nvGrpSpPr>
@@ -30143,7 +30143,7 @@
       </p:grpSpPr>
       <p:sp>
         <p:nvSpPr>
-          <p:cNvPr id="303" name="Google Shape;303;p39"/>
+          <p:cNvPr id="307" name="Google Shape;307;p39"/>
           <p:cNvSpPr txBox="1"/>
           <p:nvPr>
             <p:ph type="title"/>
@@ -30182,7 +30182,7 @@
                   <a:srgbClr val="A61C00"/>
                 </a:solidFill>
               </a:rPr>
-              <a:t>Micro Architecture - Classifier</a:t>
+              <a:t>Micro Architecture - Task</a:t>
             </a:r>
             <a:endParaRPr>
               <a:solidFill>
@@ -30194,7 +30194,7 @@
       </p:sp>
       <p:sp>
         <p:nvSpPr>
-          <p:cNvPr id="304" name="Google Shape;304;p39"/>
+          <p:cNvPr id="308" name="Google Shape;308;p39"/>
           <p:cNvSpPr txBox="1"/>
           <p:nvPr>
             <p:ph idx="12" type="sldNum"/>
@@ -30234,7 +30234,7 @@
       </p:sp>
       <p:sp>
         <p:nvSpPr>
-          <p:cNvPr id="305" name="Google Shape;305;p39"/>
+          <p:cNvPr id="309" name="Google Shape;309;p39"/>
           <p:cNvSpPr txBox="1"/>
           <p:nvPr/>
         </p:nvSpPr>
@@ -30272,7 +30272,7 @@
                   <a:srgbClr val="434343"/>
                 </a:solidFill>
               </a:rPr>
-              <a:t>Classifier</a:t>
+              <a:t>Task</a:t>
             </a:r>
             <a:endParaRPr/>
           </a:p>
@@ -30280,7 +30280,7 @@
       </p:sp>
       <p:sp>
         <p:nvSpPr>
-          <p:cNvPr id="306" name="Google Shape;306;p39"/>
+          <p:cNvPr id="310" name="Google Shape;310;p39"/>
           <p:cNvSpPr txBox="1"/>
           <p:nvPr/>
         </p:nvSpPr>
@@ -30329,7 +30329,7 @@
                   <a:srgbClr val="4A86E8"/>
                 </a:solidFill>
               </a:rPr>
-              <a:t>classifier component</a:t>
+              <a:t>task component</a:t>
             </a:r>
             <a:r>
               <a:rPr b="1" lang="en" sz="1200">
@@ -30337,7 +30337,7 @@
                   <a:srgbClr val="4A86E8"/>
                 </a:solidFill>
               </a:rPr>
-              <a:t> is where we generally perform “classification learning”</a:t>
+              <a:t> is where we generally perform “task learning” (e.g., classification learning)</a:t>
             </a:r>
             <a:r>
               <a:rPr lang="en" sz="1200">
@@ -30488,7 +30488,7 @@
                   <a:schemeClr val="dk1"/>
                 </a:solidFill>
               </a:rPr>
-              <a:t>classifier component </a:t>
+              <a:t>task component </a:t>
             </a:r>
             <a:r>
               <a:rPr lang="en" sz="1200">
@@ -30496,7 +30496,7 @@
                   <a:schemeClr val="dk1"/>
                 </a:solidFill>
               </a:rPr>
-              <a:t>in large conventional CNNs </a:t>
+              <a:t>in large conventional CNNs classifier </a:t>
             </a:r>
             <a:r>
               <a:rPr b="1" lang="en" sz="1200">
@@ -30535,7 +30535,7 @@
   <p:cSld>
     <p:spTree>
       <p:nvGrpSpPr>
-        <p:cNvPr id="310" name="Shape 310"/>
+        <p:cNvPr id="314" name="Shape 314"/>
         <p:cNvGrpSpPr/>
         <p:nvPr/>
       </p:nvGrpSpPr>
@@ -30549,7 +30549,7 @@
       </p:grpSpPr>
       <p:sp>
         <p:nvSpPr>
-          <p:cNvPr id="311" name="Google Shape;311;p40"/>
+          <p:cNvPr id="315" name="Google Shape;315;p40"/>
           <p:cNvSpPr txBox="1"/>
           <p:nvPr>
             <p:ph type="title"/>
@@ -30600,7 +30600,7 @@
       </p:sp>
       <p:sp>
         <p:nvSpPr>
-          <p:cNvPr id="312" name="Google Shape;312;p40"/>
+          <p:cNvPr id="316" name="Google Shape;316;p40"/>
           <p:cNvSpPr txBox="1"/>
           <p:nvPr>
             <p:ph idx="12" type="sldNum"/>
@@ -30640,7 +30640,7 @@
       </p:sp>
       <p:sp>
         <p:nvSpPr>
-          <p:cNvPr id="313" name="Google Shape;313;p40"/>
+          <p:cNvPr id="317" name="Google Shape;317;p40"/>
           <p:cNvSpPr txBox="1"/>
           <p:nvPr/>
         </p:nvSpPr>
@@ -30686,7 +30686,7 @@
       </p:sp>
       <p:sp>
         <p:nvSpPr>
-          <p:cNvPr id="314" name="Google Shape;314;p40"/>
+          <p:cNvPr id="318" name="Google Shape;318;p40"/>
           <p:cNvSpPr txBox="1"/>
           <p:nvPr/>
         </p:nvSpPr>
@@ -30898,7 +30898,7 @@
       </p:sp>
       <p:pic>
         <p:nvPicPr>
-          <p:cNvPr id="315" name="Google Shape;315;p40"/>
+          <p:cNvPr id="319" name="Google Shape;319;p40"/>
           <p:cNvPicPr preferRelativeResize="0"/>
           <p:nvPr/>
         </p:nvPicPr>
@@ -30937,7 +30937,7 @@
   <p:cSld>
     <p:spTree>
       <p:nvGrpSpPr>
-        <p:cNvPr id="319" name="Shape 319"/>
+        <p:cNvPr id="323" name="Shape 323"/>
         <p:cNvGrpSpPr/>
         <p:nvPr/>
       </p:nvGrpSpPr>
@@ -30951,7 +30951,7 @@
       </p:grpSpPr>
       <p:sp>
         <p:nvSpPr>
-          <p:cNvPr id="320" name="Google Shape;320;p41"/>
+          <p:cNvPr id="324" name="Google Shape;324;p41"/>
           <p:cNvSpPr txBox="1"/>
           <p:nvPr>
             <p:ph type="title"/>
@@ -31002,7 +31002,7 @@
       </p:sp>
       <p:sp>
         <p:nvSpPr>
-          <p:cNvPr id="321" name="Google Shape;321;p41"/>
+          <p:cNvPr id="325" name="Google Shape;325;p41"/>
           <p:cNvSpPr txBox="1"/>
           <p:nvPr>
             <p:ph idx="12" type="sldNum"/>
@@ -31042,7 +31042,7 @@
       </p:sp>
       <p:sp>
         <p:nvSpPr>
-          <p:cNvPr id="322" name="Google Shape;322;p41"/>
+          <p:cNvPr id="326" name="Google Shape;326;p41"/>
           <p:cNvSpPr txBox="1"/>
           <p:nvPr/>
         </p:nvSpPr>
@@ -31088,7 +31088,7 @@
       </p:sp>
       <p:graphicFrame>
         <p:nvGraphicFramePr>
-          <p:cNvPr id="323" name="Google Shape;323;p41"/>
+          <p:cNvPr id="327" name="Google Shape;327;p41"/>
           <p:cNvGraphicFramePr/>
           <p:nvPr/>
         </p:nvGraphicFramePr>
@@ -31101,7 +31101,7 @@
             <a:tbl>
               <a:tblPr>
                 <a:noFill/>
-                <a:tableStyleId>{55A95973-22DE-46CC-A186-26C7C0E670E9}</a:tableStyleId>
+                <a:tableStyleId>{88D0706B-3DB2-4006-9E81-FA5A0B239507}</a:tableStyleId>
               </a:tblPr>
               <a:tblGrid>
                 <a:gridCol w="6771725"/>
@@ -31143,7 +31143,7 @@
                           <a:cs typeface="Consolas"/>
                           <a:sym typeface="Consolas"/>
                         </a:rPr>
-                        <a:t> classifier</a:t>
+                        <a:t> task</a:t>
                       </a:r>
                       <a:r>
                         <a:rPr lang="en" sz="1000">
@@ -32405,7 +32405,7 @@
   <p:cSld>
     <p:spTree>
       <p:nvGrpSpPr>
-        <p:cNvPr id="327" name="Shape 327"/>
+        <p:cNvPr id="331" name="Shape 331"/>
         <p:cNvGrpSpPr/>
         <p:nvPr/>
       </p:nvGrpSpPr>
@@ -32419,7 +32419,7 @@
       </p:grpSpPr>
       <p:sp>
         <p:nvSpPr>
-          <p:cNvPr id="328" name="Google Shape;328;p42"/>
+          <p:cNvPr id="332" name="Google Shape;332;p42"/>
           <p:cNvSpPr txBox="1"/>
           <p:nvPr>
             <p:ph type="title"/>
@@ -32470,7 +32470,7 @@
       </p:sp>
       <p:sp>
         <p:nvSpPr>
-          <p:cNvPr id="329" name="Google Shape;329;p42"/>
+          <p:cNvPr id="333" name="Google Shape;333;p42"/>
           <p:cNvSpPr txBox="1"/>
           <p:nvPr>
             <p:ph idx="12" type="sldNum"/>
@@ -32510,7 +32510,7 @@
       </p:sp>
       <p:sp>
         <p:nvSpPr>
-          <p:cNvPr id="330" name="Google Shape;330;p42"/>
+          <p:cNvPr id="334" name="Google Shape;334;p42"/>
           <p:cNvSpPr txBox="1"/>
           <p:nvPr/>
         </p:nvSpPr>
@@ -32556,7 +32556,7 @@
       </p:sp>
       <p:sp>
         <p:nvSpPr>
-          <p:cNvPr id="331" name="Google Shape;331;p42"/>
+          <p:cNvPr id="335" name="Google Shape;335;p42"/>
           <p:cNvSpPr txBox="1"/>
           <p:nvPr/>
         </p:nvSpPr>
@@ -32956,7 +32956,7 @@
   <p:cSld>
     <p:spTree>
       <p:nvGrpSpPr>
-        <p:cNvPr id="335" name="Shape 335"/>
+        <p:cNvPr id="339" name="Shape 339"/>
         <p:cNvGrpSpPr/>
         <p:nvPr/>
       </p:nvGrpSpPr>
@@ -32970,7 +32970,7 @@
       </p:grpSpPr>
       <p:sp>
         <p:nvSpPr>
-          <p:cNvPr id="336" name="Google Shape;336;p43"/>
+          <p:cNvPr id="340" name="Google Shape;340;p43"/>
           <p:cNvSpPr txBox="1"/>
           <p:nvPr>
             <p:ph type="title"/>
@@ -33021,7 +33021,7 @@
       </p:sp>
       <p:sp>
         <p:nvSpPr>
-          <p:cNvPr id="337" name="Google Shape;337;p43"/>
+          <p:cNvPr id="341" name="Google Shape;341;p43"/>
           <p:cNvSpPr txBox="1"/>
           <p:nvPr>
             <p:ph idx="12" type="sldNum"/>
@@ -33061,7 +33061,7 @@
       </p:sp>
       <p:pic>
         <p:nvPicPr>
-          <p:cNvPr id="338" name="Google Shape;338;p43"/>
+          <p:cNvPr id="342" name="Google Shape;342;p43"/>
           <p:cNvPicPr preferRelativeResize="0"/>
           <p:nvPr/>
         </p:nvPicPr>
@@ -33100,7 +33100,7 @@
   <p:cSld>
     <p:spTree>
       <p:nvGrpSpPr>
-        <p:cNvPr id="342" name="Shape 342"/>
+        <p:cNvPr id="346" name="Shape 346"/>
         <p:cNvGrpSpPr/>
         <p:nvPr/>
       </p:nvGrpSpPr>
@@ -33114,7 +33114,7 @@
       </p:grpSpPr>
       <p:sp>
         <p:nvSpPr>
-          <p:cNvPr id="343" name="Google Shape;343;p44"/>
+          <p:cNvPr id="347" name="Google Shape;347;p44"/>
           <p:cNvSpPr txBox="1"/>
           <p:nvPr>
             <p:ph type="title"/>
@@ -33165,7 +33165,7 @@
       </p:sp>
       <p:sp>
         <p:nvSpPr>
-          <p:cNvPr id="344" name="Google Shape;344;p44"/>
+          <p:cNvPr id="348" name="Google Shape;348;p44"/>
           <p:cNvSpPr txBox="1"/>
           <p:nvPr>
             <p:ph idx="12" type="sldNum"/>
@@ -33205,7 +33205,7 @@
       </p:sp>
       <p:graphicFrame>
         <p:nvGraphicFramePr>
-          <p:cNvPr id="345" name="Google Shape;345;p44"/>
+          <p:cNvPr id="349" name="Google Shape;349;p44"/>
           <p:cNvGraphicFramePr/>
           <p:nvPr/>
         </p:nvGraphicFramePr>
@@ -33218,7 +33218,7 @@
             <a:tbl>
               <a:tblPr>
                 <a:noFill/>
-                <a:tableStyleId>{55A95973-22DE-46CC-A186-26C7C0E670E9}</a:tableStyleId>
+                <a:tableStyleId>{88D0706B-3DB2-4006-9E81-FA5A0B239507}</a:tableStyleId>
               </a:tblPr>
               <a:tblGrid>
                 <a:gridCol w="6070375"/>
@@ -33263,7 +33263,7 @@
                           <a:cs typeface="Consolas"/>
                           <a:sym typeface="Consolas"/>
                         </a:rPr>
-                        <a:t> classifier</a:t>
+                        <a:t> task</a:t>
                       </a:r>
                       <a:r>
                         <a:rPr lang="en" sz="900">
@@ -34467,7 +34467,7 @@
       </p:graphicFrame>
       <p:sp>
         <p:nvSpPr>
-          <p:cNvPr id="346" name="Google Shape;346;p44"/>
+          <p:cNvPr id="350" name="Google Shape;350;p44"/>
           <p:cNvSpPr txBox="1"/>
           <p:nvPr/>
         </p:nvSpPr>
@@ -34524,7 +34524,7 @@
   <p:cSld>
     <p:spTree>
       <p:nvGrpSpPr>
-        <p:cNvPr id="350" name="Shape 350"/>
+        <p:cNvPr id="354" name="Shape 354"/>
         <p:cNvGrpSpPr/>
         <p:nvPr/>
       </p:nvGrpSpPr>
@@ -34538,7 +34538,7 @@
       </p:grpSpPr>
       <p:sp>
         <p:nvSpPr>
-          <p:cNvPr id="351" name="Google Shape;351;p45"/>
+          <p:cNvPr id="355" name="Google Shape;355;p45"/>
           <p:cNvSpPr txBox="1"/>
           <p:nvPr>
             <p:ph type="title"/>
@@ -34589,7 +34589,7 @@
       </p:sp>
       <p:sp>
         <p:nvSpPr>
-          <p:cNvPr id="352" name="Google Shape;352;p45"/>
+          <p:cNvPr id="356" name="Google Shape;356;p45"/>
           <p:cNvSpPr txBox="1"/>
           <p:nvPr>
             <p:ph idx="12" type="sldNum"/>
@@ -34629,7 +34629,7 @@
       </p:sp>
       <p:sp>
         <p:nvSpPr>
-          <p:cNvPr id="353" name="Google Shape;353;p45"/>
+          <p:cNvPr id="357" name="Google Shape;357;p45"/>
           <p:cNvSpPr txBox="1"/>
           <p:nvPr/>
         </p:nvSpPr>
@@ -34675,7 +34675,7 @@
       </p:sp>
       <p:sp>
         <p:nvSpPr>
-          <p:cNvPr id="354" name="Google Shape;354;p45"/>
+          <p:cNvPr id="358" name="Google Shape;358;p45"/>
           <p:cNvSpPr txBox="1"/>
           <p:nvPr/>
         </p:nvSpPr>
@@ -34921,7 +34921,7 @@
   <p:cSld>
     <p:spTree>
       <p:nvGrpSpPr>
-        <p:cNvPr id="358" name="Shape 358"/>
+        <p:cNvPr id="362" name="Shape 362"/>
         <p:cNvGrpSpPr/>
         <p:nvPr/>
       </p:nvGrpSpPr>
@@ -34935,7 +34935,7 @@
       </p:grpSpPr>
       <p:sp>
         <p:nvSpPr>
-          <p:cNvPr id="359" name="Google Shape;359;p46"/>
+          <p:cNvPr id="363" name="Google Shape;363;p46"/>
           <p:cNvSpPr txBox="1"/>
           <p:nvPr>
             <p:ph type="title"/>
@@ -34986,7 +34986,7 @@
       </p:sp>
       <p:sp>
         <p:nvSpPr>
-          <p:cNvPr id="360" name="Google Shape;360;p46"/>
+          <p:cNvPr id="364" name="Google Shape;364;p46"/>
           <p:cNvSpPr txBox="1"/>
           <p:nvPr>
             <p:ph idx="12" type="sldNum"/>
@@ -35026,7 +35026,7 @@
       </p:sp>
       <p:sp>
         <p:nvSpPr>
-          <p:cNvPr id="361" name="Google Shape;361;p46"/>
+          <p:cNvPr id="365" name="Google Shape;365;p46"/>
           <p:cNvSpPr txBox="1"/>
           <p:nvPr/>
         </p:nvSpPr>
@@ -35078,37 +35078,9 @@
           </a:p>
         </p:txBody>
       </p:sp>
-      <p:pic>
-        <p:nvPicPr>
-          <p:cNvPr id="362" name="Google Shape;362;p46"/>
-          <p:cNvPicPr preferRelativeResize="0"/>
-          <p:nvPr/>
-        </p:nvPicPr>
-        <p:blipFill>
-          <a:blip r:embed="rId3">
-            <a:alphaModFix/>
-          </a:blip>
-          <a:stretch>
-            <a:fillRect/>
-          </a:stretch>
-        </p:blipFill>
-        <p:spPr>
-          <a:xfrm>
-            <a:off x="91575" y="1590425"/>
-            <a:ext cx="4099025" cy="3249500"/>
-          </a:xfrm>
-          <a:prstGeom prst="rect">
-            <a:avLst/>
-          </a:prstGeom>
-          <a:noFill/>
-          <a:ln>
-            <a:noFill/>
-          </a:ln>
-        </p:spPr>
-      </p:pic>
       <p:graphicFrame>
         <p:nvGraphicFramePr>
-          <p:cNvPr id="363" name="Google Shape;363;p46"/>
+          <p:cNvPr id="366" name="Google Shape;366;p46"/>
           <p:cNvGraphicFramePr/>
           <p:nvPr/>
         </p:nvGraphicFramePr>
@@ -35121,7 +35093,7 @@
             <a:tbl>
               <a:tblPr>
                 <a:noFill/>
-                <a:tableStyleId>{55A95973-22DE-46CC-A186-26C7C0E670E9}</a:tableStyleId>
+                <a:tableStyleId>{88D0706B-3DB2-4006-9E81-FA5A0B239507}</a:tableStyleId>
               </a:tblPr>
               <a:tblGrid>
                 <a:gridCol w="4322525"/>
@@ -35166,7 +35138,7 @@
                           <a:cs typeface="Consolas"/>
                           <a:sym typeface="Consolas"/>
                         </a:rPr>
-                        <a:t> classifier</a:t>
+                        <a:t> task</a:t>
                       </a:r>
                       <a:r>
                         <a:rPr lang="en" sz="1000">
@@ -36236,6 +36208,34 @@
           </a:graphicData>
         </a:graphic>
       </p:graphicFrame>
+      <p:pic>
+        <p:nvPicPr>
+          <p:cNvPr id="367" name="Google Shape;367;p46"/>
+          <p:cNvPicPr preferRelativeResize="0"/>
+          <p:nvPr/>
+        </p:nvPicPr>
+        <p:blipFill>
+          <a:blip r:embed="rId3">
+            <a:alphaModFix/>
+          </a:blip>
+          <a:stretch>
+            <a:fillRect/>
+          </a:stretch>
+        </p:blipFill>
+        <p:spPr>
+          <a:xfrm>
+            <a:off x="152400" y="1742825"/>
+            <a:ext cx="4272700" cy="2471349"/>
+          </a:xfrm>
+          <a:prstGeom prst="rect">
+            <a:avLst/>
+          </a:prstGeom>
+          <a:noFill/>
+          <a:ln>
+            <a:noFill/>
+          </a:ln>
+        </p:spPr>
+      </p:pic>
     </p:spTree>
   </p:cSld>
   <p:clrMapOvr>
@@ -36249,7 +36249,7 @@
   <p:cSld>
     <p:spTree>
       <p:nvGrpSpPr>
-        <p:cNvPr id="367" name="Shape 367"/>
+        <p:cNvPr id="371" name="Shape 371"/>
         <p:cNvGrpSpPr/>
         <p:nvPr/>
       </p:nvGrpSpPr>
@@ -36263,7 +36263,7 @@
       </p:grpSpPr>
       <p:sp>
         <p:nvSpPr>
-          <p:cNvPr id="368" name="Google Shape;368;p47"/>
+          <p:cNvPr id="372" name="Google Shape;372;p47"/>
           <p:cNvSpPr txBox="1"/>
           <p:nvPr>
             <p:ph idx="1" type="subTitle"/>
@@ -36311,7 +36311,7 @@
       </p:sp>
       <p:pic>
         <p:nvPicPr>
-          <p:cNvPr id="369" name="Google Shape;369;p47"/>
+          <p:cNvPr id="373" name="Google Shape;373;p47"/>
           <p:cNvPicPr preferRelativeResize="0"/>
           <p:nvPr/>
         </p:nvPicPr>
@@ -36339,7 +36339,7 @@
       </p:pic>
       <p:sp>
         <p:nvSpPr>
-          <p:cNvPr id="370" name="Google Shape;370;p47"/>
+          <p:cNvPr id="374" name="Google Shape;374;p47"/>
           <p:cNvSpPr txBox="1"/>
           <p:nvPr/>
         </p:nvSpPr>
@@ -36478,6 +36478,78 @@
                 <a:hlinkClick r:id="rId4"/>
               </a:rPr>
               <a:t>Deep Learning Design Patterns - Workshop - Chapter 1.ipynb</a:t>
+            </a:r>
+            <a:endParaRPr b="1" sz="1200">
+              <a:solidFill>
+                <a:schemeClr val="dk1"/>
+              </a:solidFill>
+            </a:endParaRPr>
+          </a:p>
+          <a:p>
+            <a:pPr indent="0" lvl="0" marL="0" rtl="0" algn="ctr">
+              <a:lnSpc>
+                <a:spcPct val="115000"/>
+              </a:lnSpc>
+              <a:spcBef>
+                <a:spcPts val="0"/>
+              </a:spcBef>
+              <a:spcAft>
+                <a:spcPts val="0"/>
+              </a:spcAft>
+              <a:buNone/>
+            </a:pPr>
+            <a:r>
+              <a:t/>
+            </a:r>
+            <a:endParaRPr b="1" sz="1200">
+              <a:solidFill>
+                <a:schemeClr val="dk1"/>
+              </a:solidFill>
+            </a:endParaRPr>
+          </a:p>
+          <a:p>
+            <a:pPr indent="0" lvl="0" marL="0" rtl="0" algn="ctr">
+              <a:lnSpc>
+                <a:spcPct val="115000"/>
+              </a:lnSpc>
+              <a:spcBef>
+                <a:spcPts val="0"/>
+              </a:spcBef>
+              <a:spcAft>
+                <a:spcPts val="0"/>
+              </a:spcAft>
+              <a:buNone/>
+            </a:pPr>
+            <a:r>
+              <a:rPr b="1" lang="en" sz="1600" u="sng">
+                <a:solidFill>
+                  <a:srgbClr val="FF0000"/>
+                </a:solidFill>
+                <a:hlinkClick r:id="rId5"/>
+              </a:rPr>
+              <a:t>https://bit.ly/2V8PjPt</a:t>
+            </a:r>
+            <a:endParaRPr b="1" sz="1600">
+              <a:solidFill>
+                <a:srgbClr val="FF0000"/>
+              </a:solidFill>
+            </a:endParaRPr>
+          </a:p>
+          <a:p>
+            <a:pPr indent="0" lvl="0" marL="0" rtl="0" algn="ctr">
+              <a:lnSpc>
+                <a:spcPct val="115000"/>
+              </a:lnSpc>
+              <a:spcBef>
+                <a:spcPts val="0"/>
+              </a:spcBef>
+              <a:spcAft>
+                <a:spcPts val="0"/>
+              </a:spcAft>
+              <a:buNone/>
+            </a:pPr>
+            <a:r>
+              <a:t/>
             </a:r>
             <a:endParaRPr b="1" sz="1200">
               <a:solidFill>
@@ -36992,7 +37064,7 @@
                   <a:srgbClr val="38761D"/>
                 </a:solidFill>
               </a:rPr>
-              <a:t>a classifier</a:t>
+              <a:t>a task</a:t>
             </a:r>
             <a:endParaRPr b="1">
               <a:solidFill>
@@ -37952,7 +38024,7 @@
             </a:pPr>
             <a:r>
               <a:rPr b="1" lang="en" sz="1000"/>
-              <a:t>Classifier</a:t>
+              <a:t>Task</a:t>
             </a:r>
             <a:br>
               <a:rPr b="1" lang="en" sz="1000"/>
@@ -38357,7 +38429,7 @@
                   <a:srgbClr val="434343"/>
                 </a:solidFill>
               </a:rPr>
-              <a:t>Classifier</a:t>
+              <a:t>   Task</a:t>
             </a:r>
             <a:endParaRPr b="1" i="1" sz="1200">
               <a:solidFill>
@@ -38507,6 +38579,206 @@
           </a:p>
         </p:txBody>
       </p:sp>
+      <p:sp>
+        <p:nvSpPr>
+          <p:cNvPr id="108" name="Google Shape;108;p17"/>
+          <p:cNvSpPr/>
+          <p:nvPr/>
+        </p:nvSpPr>
+        <p:spPr>
+          <a:xfrm rot="-5394083">
+            <a:off x="726100" y="3498275"/>
+            <a:ext cx="174300" cy="1361700"/>
+          </a:xfrm>
+          <a:prstGeom prst="leftBrace">
+            <a:avLst>
+              <a:gd fmla="val 0" name="adj1"/>
+              <a:gd fmla="val 50000" name="adj2"/>
+            </a:avLst>
+          </a:prstGeom>
+          <a:noFill/>
+          <a:ln cap="flat" cmpd="sng" w="19050">
+            <a:solidFill>
+              <a:srgbClr val="666666"/>
+            </a:solidFill>
+            <a:prstDash val="solid"/>
+            <a:round/>
+            <a:headEnd len="sm" w="sm" type="none"/>
+            <a:tailEnd len="sm" w="sm" type="none"/>
+          </a:ln>
+        </p:spPr>
+        <p:txBody>
+          <a:bodyPr anchorCtr="0" anchor="ctr" bIns="91425" lIns="91425" spcFirstLastPara="1" rIns="91425" wrap="square" tIns="91425">
+            <a:noAutofit/>
+          </a:bodyPr>
+          <a:lstStyle/>
+          <a:p>
+            <a:pPr indent="0" lvl="0" marL="0" rtl="0" algn="l">
+              <a:spcBef>
+                <a:spcPts val="0"/>
+              </a:spcBef>
+              <a:spcAft>
+                <a:spcPts val="0"/>
+              </a:spcAft>
+              <a:buNone/>
+            </a:pPr>
+            <a:r>
+              <a:t/>
+            </a:r>
+            <a:endParaRPr/>
+          </a:p>
+        </p:txBody>
+      </p:sp>
+      <p:sp>
+        <p:nvSpPr>
+          <p:cNvPr id="109" name="Google Shape;109;p17"/>
+          <p:cNvSpPr txBox="1"/>
+          <p:nvPr/>
+        </p:nvSpPr>
+        <p:spPr>
+          <a:xfrm>
+            <a:off x="132250" y="4204750"/>
+            <a:ext cx="1471800" cy="287100"/>
+          </a:xfrm>
+          <a:prstGeom prst="rect">
+            <a:avLst/>
+          </a:prstGeom>
+          <a:noFill/>
+          <a:ln>
+            <a:noFill/>
+          </a:ln>
+        </p:spPr>
+        <p:txBody>
+          <a:bodyPr anchorCtr="0" anchor="t" bIns="91425" lIns="91425" spcFirstLastPara="1" rIns="91425" wrap="square" tIns="91425">
+            <a:noAutofit/>
+          </a:bodyPr>
+          <a:lstStyle/>
+          <a:p>
+            <a:pPr indent="0" lvl="0" marL="0" rtl="0" algn="l">
+              <a:spcBef>
+                <a:spcPts val="0"/>
+              </a:spcBef>
+              <a:spcAft>
+                <a:spcPts val="0"/>
+              </a:spcAft>
+              <a:buNone/>
+            </a:pPr>
+            <a:r>
+              <a:rPr b="1" lang="en" sz="1000">
+                <a:solidFill>
+                  <a:srgbClr val="434343"/>
+                </a:solidFill>
+              </a:rPr>
+              <a:t>Data Preprocessing</a:t>
+            </a:r>
+            <a:endParaRPr b="1" sz="1000">
+              <a:solidFill>
+                <a:srgbClr val="434343"/>
+              </a:solidFill>
+            </a:endParaRPr>
+          </a:p>
+        </p:txBody>
+      </p:sp>
+      <p:sp>
+        <p:nvSpPr>
+          <p:cNvPr id="110" name="Google Shape;110;p17"/>
+          <p:cNvSpPr txBox="1"/>
+          <p:nvPr/>
+        </p:nvSpPr>
+        <p:spPr>
+          <a:xfrm>
+            <a:off x="7734575" y="4204750"/>
+            <a:ext cx="1471800" cy="287100"/>
+          </a:xfrm>
+          <a:prstGeom prst="rect">
+            <a:avLst/>
+          </a:prstGeom>
+          <a:noFill/>
+          <a:ln>
+            <a:noFill/>
+          </a:ln>
+        </p:spPr>
+        <p:txBody>
+          <a:bodyPr anchorCtr="0" anchor="t" bIns="91425" lIns="91425" spcFirstLastPara="1" rIns="91425" wrap="square" tIns="91425">
+            <a:noAutofit/>
+          </a:bodyPr>
+          <a:lstStyle/>
+          <a:p>
+            <a:pPr indent="0" lvl="0" marL="0" rtl="0" algn="l">
+              <a:spcBef>
+                <a:spcPts val="0"/>
+              </a:spcBef>
+              <a:spcAft>
+                <a:spcPts val="0"/>
+              </a:spcAft>
+              <a:buNone/>
+            </a:pPr>
+            <a:r>
+              <a:rPr b="1" lang="en" sz="1000">
+                <a:solidFill>
+                  <a:srgbClr val="434343"/>
+                </a:solidFill>
+              </a:rPr>
+              <a:t>Task Learning</a:t>
+            </a:r>
+            <a:endParaRPr b="1" sz="1000">
+              <a:solidFill>
+                <a:srgbClr val="434343"/>
+              </a:solidFill>
+            </a:endParaRPr>
+          </a:p>
+        </p:txBody>
+      </p:sp>
+      <p:sp>
+        <p:nvSpPr>
+          <p:cNvPr id="111" name="Google Shape;111;p17"/>
+          <p:cNvSpPr/>
+          <p:nvPr/>
+        </p:nvSpPr>
+        <p:spPr>
+          <a:xfrm rot="-5394083">
+            <a:off x="8155650" y="3467200"/>
+            <a:ext cx="174300" cy="1361700"/>
+          </a:xfrm>
+          <a:prstGeom prst="leftBrace">
+            <a:avLst>
+              <a:gd fmla="val 0" name="adj1"/>
+              <a:gd fmla="val 50000" name="adj2"/>
+            </a:avLst>
+          </a:prstGeom>
+          <a:noFill/>
+          <a:ln cap="flat" cmpd="sng" w="19050">
+            <a:solidFill>
+              <a:srgbClr val="666666"/>
+            </a:solidFill>
+            <a:prstDash val="solid"/>
+            <a:round/>
+            <a:headEnd len="sm" w="sm" type="none"/>
+            <a:tailEnd len="sm" w="sm" type="none"/>
+          </a:ln>
+        </p:spPr>
+        <p:txBody>
+          <a:bodyPr anchorCtr="0" anchor="ctr" bIns="91425" lIns="91425" spcFirstLastPara="1" rIns="91425" wrap="square" tIns="91425">
+            <a:noAutofit/>
+          </a:bodyPr>
+          <a:lstStyle/>
+          <a:p>
+            <a:pPr indent="0" lvl="0" marL="0" rtl="0" algn="l">
+              <a:spcBef>
+                <a:spcPts val="0"/>
+              </a:spcBef>
+              <a:spcAft>
+                <a:spcPts val="0"/>
+              </a:spcAft>
+              <a:buNone/>
+            </a:pPr>
+            <a:r>
+              <a:t/>
+            </a:r>
+            <a:endParaRPr/>
+          </a:p>
+        </p:txBody>
+      </p:sp>
     </p:spTree>
   </p:cSld>
   <p:clrMapOvr>
@@ -38520,7 +38792,7 @@
   <p:cSld>
     <p:spTree>
       <p:nvGrpSpPr>
-        <p:cNvPr id="111" name="Shape 111"/>
+        <p:cNvPr id="115" name="Shape 115"/>
         <p:cNvGrpSpPr/>
         <p:nvPr/>
       </p:nvGrpSpPr>
@@ -38534,7 +38806,7 @@
       </p:grpSpPr>
       <p:sp>
         <p:nvSpPr>
-          <p:cNvPr id="112" name="Google Shape;112;p18"/>
+          <p:cNvPr id="116" name="Google Shape;116;p18"/>
           <p:cNvSpPr txBox="1"/>
           <p:nvPr>
             <p:ph type="title"/>
@@ -38585,7 +38857,7 @@
       </p:sp>
       <p:sp>
         <p:nvSpPr>
-          <p:cNvPr id="113" name="Google Shape;113;p18"/>
+          <p:cNvPr id="117" name="Google Shape;117;p18"/>
           <p:cNvSpPr txBox="1"/>
           <p:nvPr>
             <p:ph idx="12" type="sldNum"/>
@@ -38625,7 +38897,7 @@
       </p:sp>
       <p:graphicFrame>
         <p:nvGraphicFramePr>
-          <p:cNvPr id="114" name="Google Shape;114;p18"/>
+          <p:cNvPr id="118" name="Google Shape;118;p18"/>
           <p:cNvGraphicFramePr/>
           <p:nvPr/>
         </p:nvGraphicFramePr>
@@ -38638,7 +38910,7 @@
             <a:tbl>
               <a:tblPr>
                 <a:noFill/>
-                <a:tableStyleId>{55A95973-22DE-46CC-A186-26C7C0E670E9}</a:tableStyleId>
+                <a:tableStyleId>{88D0706B-3DB2-4006-9E81-FA5A0B239507}</a:tableStyleId>
               </a:tblPr>
               <a:tblGrid>
                 <a:gridCol w="4653400"/>
@@ -39184,7 +39456,7 @@
                           <a:cs typeface="Consolas"/>
                           <a:sym typeface="Consolas"/>
                         </a:rPr>
-                        <a:t> classifier</a:t>
+                        <a:t> task</a:t>
                       </a:r>
                       <a:r>
                         <a:rPr lang="en" sz="900">
@@ -39451,7 +39723,7 @@
       </p:graphicFrame>
       <p:graphicFrame>
         <p:nvGraphicFramePr>
-          <p:cNvPr id="115" name="Google Shape;115;p18"/>
+          <p:cNvPr id="119" name="Google Shape;119;p18"/>
           <p:cNvGraphicFramePr/>
           <p:nvPr/>
         </p:nvGraphicFramePr>
@@ -39464,7 +39736,7 @@
             <a:tbl>
               <a:tblPr>
                 <a:noFill/>
-                <a:tableStyleId>{55A95973-22DE-46CC-A186-26C7C0E670E9}</a:tableStyleId>
+                <a:tableStyleId>{88D0706B-3DB2-4006-9E81-FA5A0B239507}</a:tableStyleId>
               </a:tblPr>
               <a:tblGrid>
                 <a:gridCol w="3313775"/>
@@ -39995,7 +40267,7 @@
                           <a:cs typeface="Consolas"/>
                           <a:sym typeface="Consolas"/>
                         </a:rPr>
-                        <a:t> classifier</a:t>
+                        <a:t> task</a:t>
                       </a:r>
                       <a:r>
                         <a:rPr lang="en" sz="900">
@@ -40272,7 +40544,7 @@
       </p:graphicFrame>
       <p:sp>
         <p:nvSpPr>
-          <p:cNvPr id="116" name="Google Shape;116;p18"/>
+          <p:cNvPr id="120" name="Google Shape;120;p18"/>
           <p:cNvSpPr txBox="1"/>
           <p:nvPr/>
         </p:nvSpPr>
@@ -40329,7 +40601,7 @@
   <p:cSld>
     <p:spTree>
       <p:nvGrpSpPr>
-        <p:cNvPr id="120" name="Shape 120"/>
+        <p:cNvPr id="124" name="Shape 124"/>
         <p:cNvGrpSpPr/>
         <p:nvPr/>
       </p:nvGrpSpPr>
@@ -40343,7 +40615,7 @@
       </p:grpSpPr>
       <p:sp>
         <p:nvSpPr>
-          <p:cNvPr id="121" name="Google Shape;121;p19"/>
+          <p:cNvPr id="125" name="Google Shape;125;p19"/>
           <p:cNvSpPr txBox="1"/>
           <p:nvPr>
             <p:ph type="title"/>
@@ -40394,7 +40666,7 @@
       </p:sp>
       <p:sp>
         <p:nvSpPr>
-          <p:cNvPr id="122" name="Google Shape;122;p19"/>
+          <p:cNvPr id="126" name="Google Shape;126;p19"/>
           <p:cNvSpPr txBox="1"/>
           <p:nvPr>
             <p:ph idx="12" type="sldNum"/>
@@ -40434,7 +40706,7 @@
       </p:sp>
       <p:sp>
         <p:nvSpPr>
-          <p:cNvPr id="123" name="Google Shape;123;p19"/>
+          <p:cNvPr id="127" name="Google Shape;127;p19"/>
           <p:cNvSpPr txBox="1"/>
           <p:nvPr/>
         </p:nvSpPr>
@@ -40480,7 +40752,7 @@
       </p:sp>
       <p:sp>
         <p:nvSpPr>
-          <p:cNvPr id="124" name="Google Shape;124;p19"/>
+          <p:cNvPr id="128" name="Google Shape;128;p19"/>
           <p:cNvSpPr txBox="1"/>
           <p:nvPr/>
         </p:nvSpPr>
@@ -40728,7 +41000,7 @@
   <p:cSld>
     <p:spTree>
       <p:nvGrpSpPr>
-        <p:cNvPr id="128" name="Shape 128"/>
+        <p:cNvPr id="132" name="Shape 132"/>
         <p:cNvGrpSpPr/>
         <p:nvPr/>
       </p:nvGrpSpPr>
@@ -40742,7 +41014,7 @@
       </p:grpSpPr>
       <p:sp>
         <p:nvSpPr>
-          <p:cNvPr id="129" name="Google Shape;129;p20"/>
+          <p:cNvPr id="133" name="Google Shape;133;p20"/>
           <p:cNvSpPr txBox="1"/>
           <p:nvPr>
             <p:ph type="title"/>
@@ -40793,7 +41065,7 @@
       </p:sp>
       <p:sp>
         <p:nvSpPr>
-          <p:cNvPr id="130" name="Google Shape;130;p20"/>
+          <p:cNvPr id="134" name="Google Shape;134;p20"/>
           <p:cNvSpPr txBox="1"/>
           <p:nvPr>
             <p:ph idx="12" type="sldNum"/>
@@ -40833,7 +41105,7 @@
       </p:sp>
       <p:sp>
         <p:nvSpPr>
-          <p:cNvPr id="131" name="Google Shape;131;p20"/>
+          <p:cNvPr id="135" name="Google Shape;135;p20"/>
           <p:cNvSpPr txBox="1"/>
           <p:nvPr/>
         </p:nvSpPr>
@@ -40879,7 +41151,7 @@
       </p:sp>
       <p:sp>
         <p:nvSpPr>
-          <p:cNvPr id="132" name="Google Shape;132;p20"/>
+          <p:cNvPr id="136" name="Google Shape;136;p20"/>
           <p:cNvSpPr txBox="1"/>
           <p:nvPr/>
         </p:nvSpPr>
@@ -41019,7 +41291,7 @@
       </p:sp>
       <p:pic>
         <p:nvPicPr>
-          <p:cNvPr id="133" name="Google Shape;133;p20"/>
+          <p:cNvPr id="137" name="Google Shape;137;p20"/>
           <p:cNvPicPr preferRelativeResize="0"/>
           <p:nvPr/>
         </p:nvPicPr>
@@ -41047,7 +41319,7 @@
       </p:pic>
       <p:graphicFrame>
         <p:nvGraphicFramePr>
-          <p:cNvPr id="134" name="Google Shape;134;p20"/>
+          <p:cNvPr id="138" name="Google Shape;138;p20"/>
           <p:cNvGraphicFramePr/>
           <p:nvPr/>
         </p:nvGraphicFramePr>
@@ -41060,7 +41332,7 @@
             <a:tbl>
               <a:tblPr>
                 <a:noFill/>
-                <a:tableStyleId>{55A95973-22DE-46CC-A186-26C7C0E670E9}</a:tableStyleId>
+                <a:tableStyleId>{88D0706B-3DB2-4006-9E81-FA5A0B239507}</a:tableStyleId>
               </a:tblPr>
               <a:tblGrid>
                 <a:gridCol w="5271350"/>
@@ -41706,7 +41978,7 @@
   <p:cSld>
     <p:spTree>
       <p:nvGrpSpPr>
-        <p:cNvPr id="138" name="Shape 138"/>
+        <p:cNvPr id="142" name="Shape 142"/>
         <p:cNvGrpSpPr/>
         <p:nvPr/>
       </p:nvGrpSpPr>
@@ -41720,7 +41992,7 @@
       </p:grpSpPr>
       <p:sp>
         <p:nvSpPr>
-          <p:cNvPr id="139" name="Google Shape;139;p21"/>
+          <p:cNvPr id="143" name="Google Shape;143;p21"/>
           <p:cNvSpPr txBox="1"/>
           <p:nvPr>
             <p:ph type="title"/>
@@ -41771,7 +42043,7 @@
       </p:sp>
       <p:sp>
         <p:nvSpPr>
-          <p:cNvPr id="140" name="Google Shape;140;p21"/>
+          <p:cNvPr id="144" name="Google Shape;144;p21"/>
           <p:cNvSpPr txBox="1"/>
           <p:nvPr>
             <p:ph idx="12" type="sldNum"/>
@@ -41811,7 +42083,7 @@
       </p:sp>
       <p:sp>
         <p:nvSpPr>
-          <p:cNvPr id="141" name="Google Shape;141;p21"/>
+          <p:cNvPr id="145" name="Google Shape;145;p21"/>
           <p:cNvSpPr txBox="1"/>
           <p:nvPr/>
         </p:nvSpPr>
@@ -41857,7 +42129,7 @@
       </p:sp>
       <p:sp>
         <p:nvSpPr>
-          <p:cNvPr id="142" name="Google Shape;142;p21"/>
+          <p:cNvPr id="146" name="Google Shape;146;p21"/>
           <p:cNvSpPr txBox="1"/>
           <p:nvPr/>
         </p:nvSpPr>
@@ -42089,7 +42361,7 @@
       </p:sp>
       <p:pic>
         <p:nvPicPr>
-          <p:cNvPr id="143" name="Google Shape;143;p21"/>
+          <p:cNvPr id="147" name="Google Shape;147;p21"/>
           <p:cNvPicPr preferRelativeResize="0"/>
           <p:nvPr/>
         </p:nvPicPr>
@@ -42124,6 +42396,285 @@
 </file>
 
 <file path=ppt/theme/theme1.xml><?xml version="1.0" encoding="utf-8"?>
+<a:theme xmlns:a="http://schemas.openxmlformats.org/drawingml/2006/main" xmlns:r="http://schemas.openxmlformats.org/officeDocument/2006/relationships" name="Simple Light">
+  <a:themeElements>
+    <a:clrScheme name="Simple Light">
+      <a:dk1>
+        <a:srgbClr val="000000"/>
+      </a:dk1>
+      <a:lt1>
+        <a:srgbClr val="FFFFFF"/>
+      </a:lt1>
+      <a:dk2>
+        <a:srgbClr val="595959"/>
+      </a:dk2>
+      <a:lt2>
+        <a:srgbClr val="EEEEEE"/>
+      </a:lt2>
+      <a:accent1>
+        <a:srgbClr val="FFAB40"/>
+      </a:accent1>
+      <a:accent2>
+        <a:srgbClr val="212121"/>
+      </a:accent2>
+      <a:accent3>
+        <a:srgbClr val="78909C"/>
+      </a:accent3>
+      <a:accent4>
+        <a:srgbClr val="FFAB40"/>
+      </a:accent4>
+      <a:accent5>
+        <a:srgbClr val="0097A7"/>
+      </a:accent5>
+      <a:accent6>
+        <a:srgbClr val="EEFF41"/>
+      </a:accent6>
+      <a:hlink>
+        <a:srgbClr val="0097A7"/>
+      </a:hlink>
+      <a:folHlink>
+        <a:srgbClr val="0097A7"/>
+      </a:folHlink>
+    </a:clrScheme>
+    <a:fontScheme name="Office">
+      <a:majorFont>
+        <a:latin typeface="Arial"/>
+        <a:ea typeface=""/>
+        <a:cs typeface=""/>
+        <a:font script="Jpan" typeface="ＭＳ Ｐゴシック"/>
+        <a:font script="Hang" typeface="맑은 고딕"/>
+        <a:font script="Hans" typeface="宋体"/>
+        <a:font script="Hant" typeface="新細明體"/>
+        <a:font script="Arab" typeface="Times New Roman"/>
+        <a:font script="Hebr" typeface="Times New Roman"/>
+        <a:font script="Thai" typeface="Angsana New"/>
+        <a:font script="Ethi" typeface="Nyala"/>
+        <a:font script="Beng" typeface="Vrinda"/>
+        <a:font script="Gujr" typeface="Shruti"/>
+        <a:font script="Khmr" typeface="MoolBoran"/>
+        <a:font script="Knda" typeface="Tunga"/>
+        <a:font script="Guru" typeface="Raavi"/>
+        <a:font script="Cans" typeface="Euphemia"/>
+        <a:font script="Cher" typeface="Plantagenet Cherokee"/>
+        <a:font script="Yiii" typeface="Microsoft Yi Baiti"/>
+        <a:font script="Tibt" typeface="Microsoft Himalaya"/>
+        <a:font script="Thaa" typeface="MV Boli"/>
+        <a:font script="Deva" typeface="Mangal"/>
+        <a:font script="Telu" typeface="Gautami"/>
+        <a:font script="Taml" typeface="Latha"/>
+        <a:font script="Syrc" typeface="Estrangelo Edessa"/>
+        <a:font script="Orya" typeface="Kalinga"/>
+        <a:font script="Mlym" typeface="Kartika"/>
+        <a:font script="Laoo" typeface="DokChampa"/>
+        <a:font script="Sinh" typeface="Iskoola Pota"/>
+        <a:font script="Mong" typeface="Mongolian Baiti"/>
+        <a:font script="Viet" typeface="Times New Roman"/>
+        <a:font script="Uigh" typeface="Microsoft Uighur"/>
+        <a:font script="Geor" typeface="Sylfaen"/>
+      </a:majorFont>
+      <a:minorFont>
+        <a:latin typeface="Arial"/>
+        <a:ea typeface=""/>
+        <a:cs typeface=""/>
+        <a:font script="Jpan" typeface="ＭＳ Ｐゴシック"/>
+        <a:font script="Hang" typeface="맑은 고딕"/>
+        <a:font script="Hans" typeface="宋体"/>
+        <a:font script="Hant" typeface="新細明體"/>
+        <a:font script="Arab" typeface="Arial"/>
+        <a:font script="Hebr" typeface="Arial"/>
+        <a:font script="Thai" typeface="Cordia New"/>
+        <a:font script="Ethi" typeface="Nyala"/>
+        <a:font script="Beng" typeface="Vrinda"/>
+        <a:font script="Gujr" typeface="Shruti"/>
+        <a:font script="Khmr" typeface="DaunPenh"/>
+        <a:font script="Knda" typeface="Tunga"/>
+        <a:font script="Guru" typeface="Raavi"/>
+        <a:font script="Cans" typeface="Euphemia"/>
+        <a:font script="Cher" typeface="Plantagenet Cherokee"/>
+        <a:font script="Yiii" typeface="Microsoft Yi Baiti"/>
+        <a:font script="Tibt" typeface="Microsoft Himalaya"/>
+        <a:font script="Thaa" typeface="MV Boli"/>
+        <a:font script="Deva" typeface="Mangal"/>
+        <a:font script="Telu" typeface="Gautami"/>
+        <a:font script="Taml" typeface="Latha"/>
+        <a:font script="Syrc" typeface="Estrangelo Edessa"/>
+        <a:font script="Orya" typeface="Kalinga"/>
+        <a:font script="Mlym" typeface="Kartika"/>
+        <a:font script="Laoo" typeface="DokChampa"/>
+        <a:font script="Sinh" typeface="Iskoola Pota"/>
+        <a:font script="Mong" typeface="Mongolian Baiti"/>
+        <a:font script="Viet" typeface="Arial"/>
+        <a:font script="Uigh" typeface="Microsoft Uighur"/>
+        <a:font script="Geor" typeface="Sylfaen"/>
+      </a:minorFont>
+    </a:fontScheme>
+    <a:fmtScheme name="Office">
+      <a:fillStyleLst>
+        <a:solidFill>
+          <a:schemeClr val="phClr"/>
+        </a:solidFill>
+        <a:gradFill rotWithShape="1">
+          <a:gsLst>
+            <a:gs pos="0">
+              <a:schemeClr val="phClr">
+                <a:tint val="50000"/>
+                <a:satMod val="300000"/>
+              </a:schemeClr>
+            </a:gs>
+            <a:gs pos="35000">
+              <a:schemeClr val="phClr">
+                <a:tint val="37000"/>
+                <a:satMod val="300000"/>
+              </a:schemeClr>
+            </a:gs>
+            <a:gs pos="100000">
+              <a:schemeClr val="phClr">
+                <a:tint val="15000"/>
+                <a:satMod val="350000"/>
+              </a:schemeClr>
+            </a:gs>
+          </a:gsLst>
+          <a:lin ang="16200000" scaled="1"/>
+        </a:gradFill>
+        <a:gradFill rotWithShape="1">
+          <a:gsLst>
+            <a:gs pos="0">
+              <a:schemeClr val="phClr">
+                <a:tint val="100000"/>
+                <a:shade val="100000"/>
+                <a:satMod val="130000"/>
+              </a:schemeClr>
+            </a:gs>
+            <a:gs pos="100000">
+              <a:schemeClr val="phClr">
+                <a:tint val="50000"/>
+                <a:shade val="100000"/>
+                <a:satMod val="350000"/>
+              </a:schemeClr>
+            </a:gs>
+          </a:gsLst>
+          <a:lin ang="16200000" scaled="0"/>
+        </a:gradFill>
+      </a:fillStyleLst>
+      <a:lnStyleLst>
+        <a:ln w="9525" cap="flat" cmpd="sng" algn="ctr">
+          <a:solidFill>
+            <a:schemeClr val="phClr">
+              <a:shade val="95000"/>
+              <a:satMod val="105000"/>
+            </a:schemeClr>
+          </a:solidFill>
+          <a:prstDash val="solid"/>
+        </a:ln>
+        <a:ln w="25400" cap="flat" cmpd="sng" algn="ctr">
+          <a:solidFill>
+            <a:schemeClr val="phClr"/>
+          </a:solidFill>
+          <a:prstDash val="solid"/>
+        </a:ln>
+        <a:ln w="38100" cap="flat" cmpd="sng" algn="ctr">
+          <a:solidFill>
+            <a:schemeClr val="phClr"/>
+          </a:solidFill>
+          <a:prstDash val="solid"/>
+        </a:ln>
+      </a:lnStyleLst>
+      <a:effectStyleLst>
+        <a:effectStyle>
+          <a:effectLst>
+            <a:outerShdw blurRad="40000" dist="20000" dir="5400000" rotWithShape="0">
+              <a:srgbClr val="000000">
+                <a:alpha val="38000"/>
+              </a:srgbClr>
+            </a:outerShdw>
+          </a:effectLst>
+        </a:effectStyle>
+        <a:effectStyle>
+          <a:effectLst>
+            <a:outerShdw blurRad="40000" dist="23000" dir="5400000" rotWithShape="0">
+              <a:srgbClr val="000000">
+                <a:alpha val="35000"/>
+              </a:srgbClr>
+            </a:outerShdw>
+          </a:effectLst>
+        </a:effectStyle>
+        <a:effectStyle>
+          <a:effectLst>
+            <a:outerShdw blurRad="40000" dist="23000" dir="5400000" rotWithShape="0">
+              <a:srgbClr val="000000">
+                <a:alpha val="35000"/>
+              </a:srgbClr>
+            </a:outerShdw>
+          </a:effectLst>
+          <a:scene3d>
+            <a:camera prst="orthographicFront">
+              <a:rot lat="0" lon="0" rev="0"/>
+            </a:camera>
+            <a:lightRig rig="threePt" dir="t">
+              <a:rot lat="0" lon="0" rev="1200000"/>
+            </a:lightRig>
+          </a:scene3d>
+          <a:sp3d>
+            <a:bevelT w="63500" h="25400"/>
+          </a:sp3d>
+        </a:effectStyle>
+      </a:effectStyleLst>
+      <a:bgFillStyleLst>
+        <a:solidFill>
+          <a:schemeClr val="phClr"/>
+        </a:solidFill>
+        <a:gradFill rotWithShape="1">
+          <a:gsLst>
+            <a:gs pos="0">
+              <a:schemeClr val="phClr">
+                <a:tint val="40000"/>
+                <a:satMod val="350000"/>
+              </a:schemeClr>
+            </a:gs>
+            <a:gs pos="40000">
+              <a:schemeClr val="phClr">
+                <a:tint val="45000"/>
+                <a:shade val="99000"/>
+                <a:satMod val="350000"/>
+              </a:schemeClr>
+            </a:gs>
+            <a:gs pos="100000">
+              <a:schemeClr val="phClr">
+                <a:shade val="20000"/>
+                <a:satMod val="255000"/>
+              </a:schemeClr>
+            </a:gs>
+          </a:gsLst>
+          <a:path path="circle">
+            <a:fillToRect l="50000" t="-80000" r="50000" b="180000"/>
+          </a:path>
+        </a:gradFill>
+        <a:gradFill rotWithShape="1">
+          <a:gsLst>
+            <a:gs pos="0">
+              <a:schemeClr val="phClr">
+                <a:tint val="80000"/>
+                <a:satMod val="300000"/>
+              </a:schemeClr>
+            </a:gs>
+            <a:gs pos="100000">
+              <a:schemeClr val="phClr">
+                <a:shade val="30000"/>
+                <a:satMod val="200000"/>
+              </a:schemeClr>
+            </a:gs>
+          </a:gsLst>
+          <a:path path="circle">
+            <a:fillToRect l="50000" t="50000" r="50000" b="50000"/>
+          </a:path>
+        </a:gradFill>
+      </a:bgFillStyleLst>
+    </a:fmtScheme>
+  </a:themeElements>
+</a:theme>
+</file>
+
+<file path=ppt/theme/theme2.xml><?xml version="1.0" encoding="utf-8"?>
 <a:theme xmlns:a="http://schemas.openxmlformats.org/drawingml/2006/main" xmlns:r="http://schemas.openxmlformats.org/officeDocument/2006/relationships">
   <a:themeElements>
     <a:clrScheme name="Default">
@@ -42400,283 +42951,4 @@
     </a:fmtScheme>
   </a:themeElements>
 </a:theme>
-</file>
-
-<file path=ppt/theme/theme2.xml><?xml version="1.0" encoding="utf-8"?>
-<a:theme xmlns:a="http://schemas.openxmlformats.org/drawingml/2006/main" xmlns:r="http://schemas.openxmlformats.org/officeDocument/2006/relationships" name="Simple Light">
-  <a:themeElements>
-    <a:clrScheme name="Simple Light">
-      <a:dk1>
-        <a:srgbClr val="000000"/>
-      </a:dk1>
-      <a:lt1>
-        <a:srgbClr val="FFFFFF"/>
-      </a:lt1>
-      <a:dk2>
-        <a:srgbClr val="595959"/>
-      </a:dk2>
-      <a:lt2>
-        <a:srgbClr val="EEEEEE"/>
-      </a:lt2>
-      <a:accent1>
-        <a:srgbClr val="FFAB40"/>
-      </a:accent1>
-      <a:accent2>
-        <a:srgbClr val="212121"/>
-      </a:accent2>
-      <a:accent3>
-        <a:srgbClr val="78909C"/>
-      </a:accent3>
-      <a:accent4>
-        <a:srgbClr val="FFAB40"/>
-      </a:accent4>
-      <a:accent5>
-        <a:srgbClr val="0097A7"/>
-      </a:accent5>
-      <a:accent6>
-        <a:srgbClr val="EEFF41"/>
-      </a:accent6>
-      <a:hlink>
-        <a:srgbClr val="0097A7"/>
-      </a:hlink>
-      <a:folHlink>
-        <a:srgbClr val="0097A7"/>
-      </a:folHlink>
-    </a:clrScheme>
-    <a:fontScheme name="Office">
-      <a:majorFont>
-        <a:latin typeface="Arial"/>
-        <a:ea typeface=""/>
-        <a:cs typeface=""/>
-        <a:font script="Jpan" typeface="ＭＳ Ｐゴシック"/>
-        <a:font script="Hang" typeface="맑은 고딕"/>
-        <a:font script="Hans" typeface="宋体"/>
-        <a:font script="Hant" typeface="新細明體"/>
-        <a:font script="Arab" typeface="Times New Roman"/>
-        <a:font script="Hebr" typeface="Times New Roman"/>
-        <a:font script="Thai" typeface="Angsana New"/>
-        <a:font script="Ethi" typeface="Nyala"/>
-        <a:font script="Beng" typeface="Vrinda"/>
-        <a:font script="Gujr" typeface="Shruti"/>
-        <a:font script="Khmr" typeface="MoolBoran"/>
-        <a:font script="Knda" typeface="Tunga"/>
-        <a:font script="Guru" typeface="Raavi"/>
-        <a:font script="Cans" typeface="Euphemia"/>
-        <a:font script="Cher" typeface="Plantagenet Cherokee"/>
-        <a:font script="Yiii" typeface="Microsoft Yi Baiti"/>
-        <a:font script="Tibt" typeface="Microsoft Himalaya"/>
-        <a:font script="Thaa" typeface="MV Boli"/>
-        <a:font script="Deva" typeface="Mangal"/>
-        <a:font script="Telu" typeface="Gautami"/>
-        <a:font script="Taml" typeface="Latha"/>
-        <a:font script="Syrc" typeface="Estrangelo Edessa"/>
-        <a:font script="Orya" typeface="Kalinga"/>
-        <a:font script="Mlym" typeface="Kartika"/>
-        <a:font script="Laoo" typeface="DokChampa"/>
-        <a:font script="Sinh" typeface="Iskoola Pota"/>
-        <a:font script="Mong" typeface="Mongolian Baiti"/>
-        <a:font script="Viet" typeface="Times New Roman"/>
-        <a:font script="Uigh" typeface="Microsoft Uighur"/>
-        <a:font script="Geor" typeface="Sylfaen"/>
-      </a:majorFont>
-      <a:minorFont>
-        <a:latin typeface="Arial"/>
-        <a:ea typeface=""/>
-        <a:cs typeface=""/>
-        <a:font script="Jpan" typeface="ＭＳ Ｐゴシック"/>
-        <a:font script="Hang" typeface="맑은 고딕"/>
-        <a:font script="Hans" typeface="宋体"/>
-        <a:font script="Hant" typeface="新細明體"/>
-        <a:font script="Arab" typeface="Arial"/>
-        <a:font script="Hebr" typeface="Arial"/>
-        <a:font script="Thai" typeface="Cordia New"/>
-        <a:font script="Ethi" typeface="Nyala"/>
-        <a:font script="Beng" typeface="Vrinda"/>
-        <a:font script="Gujr" typeface="Shruti"/>
-        <a:font script="Khmr" typeface="DaunPenh"/>
-        <a:font script="Knda" typeface="Tunga"/>
-        <a:font script="Guru" typeface="Raavi"/>
-        <a:font script="Cans" typeface="Euphemia"/>
-        <a:font script="Cher" typeface="Plantagenet Cherokee"/>
-        <a:font script="Yiii" typeface="Microsoft Yi Baiti"/>
-        <a:font script="Tibt" typeface="Microsoft Himalaya"/>
-        <a:font script="Thaa" typeface="MV Boli"/>
-        <a:font script="Deva" typeface="Mangal"/>
-        <a:font script="Telu" typeface="Gautami"/>
-        <a:font script="Taml" typeface="Latha"/>
-        <a:font script="Syrc" typeface="Estrangelo Edessa"/>
-        <a:font script="Orya" typeface="Kalinga"/>
-        <a:font script="Mlym" typeface="Kartika"/>
-        <a:font script="Laoo" typeface="DokChampa"/>
-        <a:font script="Sinh" typeface="Iskoola Pota"/>
-        <a:font script="Mong" typeface="Mongolian Baiti"/>
-        <a:font script="Viet" typeface="Arial"/>
-        <a:font script="Uigh" typeface="Microsoft Uighur"/>
-        <a:font script="Geor" typeface="Sylfaen"/>
-      </a:minorFont>
-    </a:fontScheme>
-    <a:fmtScheme name="Office">
-      <a:fillStyleLst>
-        <a:solidFill>
-          <a:schemeClr val="phClr"/>
-        </a:solidFill>
-        <a:gradFill rotWithShape="1">
-          <a:gsLst>
-            <a:gs pos="0">
-              <a:schemeClr val="phClr">
-                <a:tint val="50000"/>
-                <a:satMod val="300000"/>
-              </a:schemeClr>
-            </a:gs>
-            <a:gs pos="35000">
-              <a:schemeClr val="phClr">
-                <a:tint val="37000"/>
-                <a:satMod val="300000"/>
-              </a:schemeClr>
-            </a:gs>
-            <a:gs pos="100000">
-              <a:schemeClr val="phClr">
-                <a:tint val="15000"/>
-                <a:satMod val="350000"/>
-              </a:schemeClr>
-            </a:gs>
-          </a:gsLst>
-          <a:lin ang="16200000" scaled="1"/>
-        </a:gradFill>
-        <a:gradFill rotWithShape="1">
-          <a:gsLst>
-            <a:gs pos="0">
-              <a:schemeClr val="phClr">
-                <a:tint val="100000"/>
-                <a:shade val="100000"/>
-                <a:satMod val="130000"/>
-              </a:schemeClr>
-            </a:gs>
-            <a:gs pos="100000">
-              <a:schemeClr val="phClr">
-                <a:tint val="50000"/>
-                <a:shade val="100000"/>
-                <a:satMod val="350000"/>
-              </a:schemeClr>
-            </a:gs>
-          </a:gsLst>
-          <a:lin ang="16200000" scaled="0"/>
-        </a:gradFill>
-      </a:fillStyleLst>
-      <a:lnStyleLst>
-        <a:ln w="9525" cap="flat" cmpd="sng" algn="ctr">
-          <a:solidFill>
-            <a:schemeClr val="phClr">
-              <a:shade val="95000"/>
-              <a:satMod val="105000"/>
-            </a:schemeClr>
-          </a:solidFill>
-          <a:prstDash val="solid"/>
-        </a:ln>
-        <a:ln w="25400" cap="flat" cmpd="sng" algn="ctr">
-          <a:solidFill>
-            <a:schemeClr val="phClr"/>
-          </a:solidFill>
-          <a:prstDash val="solid"/>
-        </a:ln>
-        <a:ln w="38100" cap="flat" cmpd="sng" algn="ctr">
-          <a:solidFill>
-            <a:schemeClr val="phClr"/>
-          </a:solidFill>
-          <a:prstDash val="solid"/>
-        </a:ln>
-      </a:lnStyleLst>
-      <a:effectStyleLst>
-        <a:effectStyle>
-          <a:effectLst>
-            <a:outerShdw blurRad="40000" dist="20000" dir="5400000" rotWithShape="0">
-              <a:srgbClr val="000000">
-                <a:alpha val="38000"/>
-              </a:srgbClr>
-            </a:outerShdw>
-          </a:effectLst>
-        </a:effectStyle>
-        <a:effectStyle>
-          <a:effectLst>
-            <a:outerShdw blurRad="40000" dist="23000" dir="5400000" rotWithShape="0">
-              <a:srgbClr val="000000">
-                <a:alpha val="35000"/>
-              </a:srgbClr>
-            </a:outerShdw>
-          </a:effectLst>
-        </a:effectStyle>
-        <a:effectStyle>
-          <a:effectLst>
-            <a:outerShdw blurRad="40000" dist="23000" dir="5400000" rotWithShape="0">
-              <a:srgbClr val="000000">
-                <a:alpha val="35000"/>
-              </a:srgbClr>
-            </a:outerShdw>
-          </a:effectLst>
-          <a:scene3d>
-            <a:camera prst="orthographicFront">
-              <a:rot lat="0" lon="0" rev="0"/>
-            </a:camera>
-            <a:lightRig rig="threePt" dir="t">
-              <a:rot lat="0" lon="0" rev="1200000"/>
-            </a:lightRig>
-          </a:scene3d>
-          <a:sp3d>
-            <a:bevelT w="63500" h="25400"/>
-          </a:sp3d>
-        </a:effectStyle>
-      </a:effectStyleLst>
-      <a:bgFillStyleLst>
-        <a:solidFill>
-          <a:schemeClr val="phClr"/>
-        </a:solidFill>
-        <a:gradFill rotWithShape="1">
-          <a:gsLst>
-            <a:gs pos="0">
-              <a:schemeClr val="phClr">
-                <a:tint val="40000"/>
-                <a:satMod val="350000"/>
-              </a:schemeClr>
-            </a:gs>
-            <a:gs pos="40000">
-              <a:schemeClr val="phClr">
-                <a:tint val="45000"/>
-                <a:shade val="99000"/>
-                <a:satMod val="350000"/>
-              </a:schemeClr>
-            </a:gs>
-            <a:gs pos="100000">
-              <a:schemeClr val="phClr">
-                <a:shade val="20000"/>
-                <a:satMod val="255000"/>
-              </a:schemeClr>
-            </a:gs>
-          </a:gsLst>
-          <a:path path="circle">
-            <a:fillToRect l="50000" t="-80000" r="50000" b="180000"/>
-          </a:path>
-        </a:gradFill>
-        <a:gradFill rotWithShape="1">
-          <a:gsLst>
-            <a:gs pos="0">
-              <a:schemeClr val="phClr">
-                <a:tint val="80000"/>
-                <a:satMod val="300000"/>
-              </a:schemeClr>
-            </a:gs>
-            <a:gs pos="100000">
-              <a:schemeClr val="phClr">
-                <a:shade val="30000"/>
-                <a:satMod val="200000"/>
-              </a:schemeClr>
-            </a:gs>
-          </a:gsLst>
-          <a:path path="circle">
-            <a:fillToRect l="50000" t="50000" r="50000" b="50000"/>
-          </a:path>
-        </a:gradFill>
-      </a:bgFillStyleLst>
-    </a:fmtScheme>
-  </a:themeElements>
-</a:theme>
 </file>